--- a/Documentatie/Prezentare.pptx
+++ b/Documentatie/Prezentare.pptx
@@ -6294,13 +6294,7 @@
               <a:rPr lang="ro-RO" sz="3000" dirty="0">
                 <a:cs typeface="Times New Roman" panose="02020603050405020304" pitchFamily="18" charset="0"/>
               </a:rPr>
-              <a:t> Aplicație WEB pentru </a:t>
-            </a:r>
-            <a:r>
-              <a:rPr lang="ro-RO" sz="3000" dirty="0">
-                <a:cs typeface="Times New Roman" panose="02020603050405020304" pitchFamily="18" charset="0"/>
-              </a:rPr>
-              <a:t>gesti</a:t>
+              <a:t> Aplicație WEB pentru gesti</a:t>
             </a:r>
             <a:r>
               <a:rPr lang="en-US" sz="3000" dirty="0" err="1">
@@ -6312,13 +6306,7 @@
               <a:rPr lang="ro-RO" sz="3000" dirty="0">
                 <a:cs typeface="Times New Roman" panose="02020603050405020304" pitchFamily="18" charset="0"/>
               </a:rPr>
-              <a:t> </a:t>
-            </a:r>
-            <a:r>
-              <a:rPr lang="ro-RO" sz="3000" dirty="0">
-                <a:cs typeface="Times New Roman" panose="02020603050405020304" pitchFamily="18" charset="0"/>
-              </a:rPr>
-              <a:t>reviziilor și </a:t>
+              <a:t> reviziilor și </a:t>
             </a:r>
             <a:r>
               <a:rPr lang="ro-RO" sz="3000" dirty="0" smtClean="0">
@@ -6399,13 +6387,7 @@
               <a:rPr lang="en-US" sz="3000" b="1" dirty="0">
                 <a:cs typeface="Times New Roman" panose="02020603050405020304" pitchFamily="18" charset="0"/>
               </a:rPr>
-              <a:t>: </a:t>
-            </a:r>
-            <a:r>
-              <a:rPr lang="en-US" sz="3000" b="1" dirty="0">
-                <a:cs typeface="Times New Roman" panose="02020603050405020304" pitchFamily="18" charset="0"/>
-              </a:rPr>
-              <a:t>   </a:t>
+              <a:t>:    </a:t>
             </a:r>
             <a:r>
               <a:rPr lang="en-US" sz="3000" b="1" dirty="0" smtClean="0">
@@ -6452,13 +6434,7 @@
               <a:rPr lang="en-US" sz="3000" dirty="0">
                 <a:cs typeface="Times New Roman" panose="02020603050405020304" pitchFamily="18" charset="0"/>
               </a:rPr>
-              <a:t>u </a:t>
-            </a:r>
-            <a:r>
-              <a:rPr lang="en-US" sz="3000" dirty="0">
-                <a:cs typeface="Times New Roman" panose="02020603050405020304" pitchFamily="18" charset="0"/>
-              </a:rPr>
-              <a:t> </a:t>
+              <a:t>u  </a:t>
             </a:r>
             <a:r>
               <a:rPr lang="en-US" sz="3000" dirty="0" smtClean="0">
@@ -6470,19 +6446,31 @@
               <a:rPr lang="ro-RO" sz="3000" dirty="0" smtClean="0">
                 <a:cs typeface="Times New Roman" panose="02020603050405020304" pitchFamily="18" charset="0"/>
               </a:rPr>
-              <a:t>Conf.dr.ing</a:t>
-            </a:r>
-            <a:r>
-              <a:rPr lang="ro-RO" sz="3000" dirty="0">
+              <a:t>Conf.dr.ing.</a:t>
+            </a:r>
+            <a:r>
+              <a:rPr lang="en-US" sz="3000" dirty="0" smtClean="0">
                 <a:cs typeface="Times New Roman" panose="02020603050405020304" pitchFamily="18" charset="0"/>
               </a:rPr>
-              <a:t>. </a:t>
-            </a:r>
-            <a:r>
-              <a:rPr lang="ro-RO" sz="3000" dirty="0">
+              <a:t> </a:t>
+            </a:r>
+            <a:r>
+              <a:rPr lang="ro-RO" sz="3000" dirty="0" smtClean="0">
                 <a:cs typeface="Times New Roman" panose="02020603050405020304" pitchFamily="18" charset="0"/>
               </a:rPr>
-              <a:t>Popescu Cornel</a:t>
+              <a:t>Cornel</a:t>
+            </a:r>
+            <a:r>
+              <a:rPr lang="en-US" sz="3000" dirty="0" smtClean="0">
+                <a:cs typeface="Times New Roman" panose="02020603050405020304" pitchFamily="18" charset="0"/>
+              </a:rPr>
+              <a:t> </a:t>
+            </a:r>
+            <a:r>
+              <a:rPr lang="en-US" sz="3000" dirty="0" err="1" smtClean="0">
+                <a:cs typeface="Times New Roman" panose="02020603050405020304" pitchFamily="18" charset="0"/>
+              </a:rPr>
+              <a:t>Popescu</a:t>
             </a:r>
             <a:r>
               <a:rPr lang="en-US" sz="3000" b="1" dirty="0">
@@ -7202,13 +7190,8 @@
           <a:p>
             <a:r>
               <a:rPr lang="en-US" dirty="0" smtClean="0"/>
-              <a:t> </a:t>
-            </a:r>
-            <a:r>
-              <a:rPr lang="en-US" dirty="0" smtClean="0"/>
-              <a:t>HTML/CSS</a:t>
-            </a:r>
-            <a:endParaRPr lang="en-US" dirty="0" smtClean="0"/>
+              <a:t> HTML/CSS</a:t>
+            </a:r>
           </a:p>
           <a:p>
             <a:r>
@@ -7227,7 +7210,6 @@
               <a:rPr lang="en-US" dirty="0" smtClean="0"/>
               <a:t>)</a:t>
             </a:r>
-            <a:endParaRPr lang="en-US" dirty="0" smtClean="0"/>
           </a:p>
           <a:p>
             <a:endParaRPr lang="en-US" dirty="0"/>
@@ -7368,7 +7350,6 @@
               <a:rPr lang="en-US" dirty="0" smtClean="0"/>
               <a:t>Emailer</a:t>
             </a:r>
-            <a:endParaRPr lang="en-US" dirty="0" smtClean="0"/>
           </a:p>
           <a:p>
             <a:pPr lvl="1"/>

--- a/Documentatie/Prezentare.pptx
+++ b/Documentatie/Prezentare.pptx
@@ -7,11 +7,21 @@
   <p:sldIdLst>
     <p:sldId id="256" r:id="rId2"/>
     <p:sldId id="257" r:id="rId3"/>
-    <p:sldId id="258" r:id="rId4"/>
-    <p:sldId id="259" r:id="rId5"/>
-    <p:sldId id="260" r:id="rId6"/>
-    <p:sldId id="261" r:id="rId7"/>
-    <p:sldId id="262" r:id="rId8"/>
+    <p:sldId id="263" r:id="rId4"/>
+    <p:sldId id="268" r:id="rId5"/>
+    <p:sldId id="264" r:id="rId6"/>
+    <p:sldId id="265" r:id="rId7"/>
+    <p:sldId id="266" r:id="rId8"/>
+    <p:sldId id="267" r:id="rId9"/>
+    <p:sldId id="258" r:id="rId10"/>
+    <p:sldId id="260" r:id="rId11"/>
+    <p:sldId id="261" r:id="rId12"/>
+    <p:sldId id="259" r:id="rId13"/>
+    <p:sldId id="269" r:id="rId14"/>
+    <p:sldId id="272" r:id="rId15"/>
+    <p:sldId id="273" r:id="rId16"/>
+    <p:sldId id="262" r:id="rId17"/>
+    <p:sldId id="271" r:id="rId18"/>
   </p:sldIdLst>
   <p:sldSz cx="9144000" cy="6858000" type="screen4x3"/>
   <p:notesSz cx="6858000" cy="9144000"/>
@@ -304,7 +314,7 @@
           <a:p>
             <a:fld id="{F2C91018-6A37-4339-9675-27B5B624C0E3}" type="datetimeFigureOut">
               <a:rPr lang="en-US" smtClean="0"/>
-              <a:t>6/28/2019</a:t>
+              <a:t>7/2/2019</a:t>
             </a:fld>
             <a:endParaRPr lang="en-US"/>
           </a:p>
@@ -579,7 +589,7 @@
           <a:p>
             <a:fld id="{F2C91018-6A37-4339-9675-27B5B624C0E3}" type="datetimeFigureOut">
               <a:rPr lang="en-US" smtClean="0"/>
-              <a:t>6/28/2019</a:t>
+              <a:t>7/2/2019</a:t>
             </a:fld>
             <a:endParaRPr lang="en-US"/>
           </a:p>
@@ -773,7 +783,7 @@
           <a:p>
             <a:fld id="{F2C91018-6A37-4339-9675-27B5B624C0E3}" type="datetimeFigureOut">
               <a:rPr lang="en-US" smtClean="0"/>
-              <a:t>6/28/2019</a:t>
+              <a:t>7/2/2019</a:t>
             </a:fld>
             <a:endParaRPr lang="en-US"/>
           </a:p>
@@ -1046,7 +1056,7 @@
           <a:p>
             <a:fld id="{F2C91018-6A37-4339-9675-27B5B624C0E3}" type="datetimeFigureOut">
               <a:rPr lang="en-US" smtClean="0"/>
-              <a:t>6/28/2019</a:t>
+              <a:t>7/2/2019</a:t>
             </a:fld>
             <a:endParaRPr lang="en-US"/>
           </a:p>
@@ -1387,7 +1397,7 @@
           <a:p>
             <a:fld id="{F2C91018-6A37-4339-9675-27B5B624C0E3}" type="datetimeFigureOut">
               <a:rPr lang="en-US" smtClean="0"/>
-              <a:t>6/28/2019</a:t>
+              <a:t>7/2/2019</a:t>
             </a:fld>
             <a:endParaRPr lang="en-US"/>
           </a:p>
@@ -2010,7 +2020,7 @@
           <a:p>
             <a:fld id="{F2C91018-6A37-4339-9675-27B5B624C0E3}" type="datetimeFigureOut">
               <a:rPr lang="en-US" smtClean="0"/>
-              <a:t>6/28/2019</a:t>
+              <a:t>7/2/2019</a:t>
             </a:fld>
             <a:endParaRPr lang="en-US"/>
           </a:p>
@@ -2870,7 +2880,7 @@
           <a:p>
             <a:fld id="{F2C91018-6A37-4339-9675-27B5B624C0E3}" type="datetimeFigureOut">
               <a:rPr lang="en-US" smtClean="0"/>
-              <a:t>6/28/2019</a:t>
+              <a:t>7/2/2019</a:t>
             </a:fld>
             <a:endParaRPr lang="en-US"/>
           </a:p>
@@ -3040,7 +3050,7 @@
           <a:p>
             <a:fld id="{F2C91018-6A37-4339-9675-27B5B624C0E3}" type="datetimeFigureOut">
               <a:rPr lang="en-US" smtClean="0"/>
-              <a:t>6/28/2019</a:t>
+              <a:t>7/2/2019</a:t>
             </a:fld>
             <a:endParaRPr lang="en-US"/>
           </a:p>
@@ -3220,7 +3230,7 @@
           <a:p>
             <a:fld id="{F2C91018-6A37-4339-9675-27B5B624C0E3}" type="datetimeFigureOut">
               <a:rPr lang="en-US" smtClean="0"/>
-              <a:t>6/28/2019</a:t>
+              <a:t>7/2/2019</a:t>
             </a:fld>
             <a:endParaRPr lang="en-US"/>
           </a:p>
@@ -3390,7 +3400,7 @@
           <a:p>
             <a:fld id="{F2C91018-6A37-4339-9675-27B5B624C0E3}" type="datetimeFigureOut">
               <a:rPr lang="en-US" smtClean="0"/>
-              <a:t>6/28/2019</a:t>
+              <a:t>7/2/2019</a:t>
             </a:fld>
             <a:endParaRPr lang="en-US"/>
           </a:p>
@@ -3637,7 +3647,7 @@
           <a:p>
             <a:fld id="{F2C91018-6A37-4339-9675-27B5B624C0E3}" type="datetimeFigureOut">
               <a:rPr lang="en-US" smtClean="0"/>
-              <a:t>6/28/2019</a:t>
+              <a:t>7/2/2019</a:t>
             </a:fld>
             <a:endParaRPr lang="en-US"/>
           </a:p>
@@ -3929,7 +3939,7 @@
           <a:p>
             <a:fld id="{F2C91018-6A37-4339-9675-27B5B624C0E3}" type="datetimeFigureOut">
               <a:rPr lang="en-US" smtClean="0"/>
-              <a:t>6/28/2019</a:t>
+              <a:t>7/2/2019</a:t>
             </a:fld>
             <a:endParaRPr lang="en-US"/>
           </a:p>
@@ -4373,7 +4383,7 @@
           <a:p>
             <a:fld id="{F2C91018-6A37-4339-9675-27B5B624C0E3}" type="datetimeFigureOut">
               <a:rPr lang="en-US" smtClean="0"/>
-              <a:t>6/28/2019</a:t>
+              <a:t>7/2/2019</a:t>
             </a:fld>
             <a:endParaRPr lang="en-US"/>
           </a:p>
@@ -4491,7 +4501,7 @@
           <a:p>
             <a:fld id="{F2C91018-6A37-4339-9675-27B5B624C0E3}" type="datetimeFigureOut">
               <a:rPr lang="en-US" smtClean="0"/>
-              <a:t>6/28/2019</a:t>
+              <a:t>7/2/2019</a:t>
             </a:fld>
             <a:endParaRPr lang="en-US"/>
           </a:p>
@@ -4586,7 +4596,7 @@
           <a:p>
             <a:fld id="{F2C91018-6A37-4339-9675-27B5B624C0E3}" type="datetimeFigureOut">
               <a:rPr lang="en-US" smtClean="0"/>
-              <a:t>6/28/2019</a:t>
+              <a:t>7/2/2019</a:t>
             </a:fld>
             <a:endParaRPr lang="en-US"/>
           </a:p>
@@ -4865,7 +4875,7 @@
           <a:p>
             <a:fld id="{F2C91018-6A37-4339-9675-27B5B624C0E3}" type="datetimeFigureOut">
               <a:rPr lang="en-US" smtClean="0"/>
-              <a:t>6/28/2019</a:t>
+              <a:t>7/2/2019</a:t>
             </a:fld>
             <a:endParaRPr lang="en-US"/>
           </a:p>
@@ -5140,7 +5150,7 @@
           <a:p>
             <a:fld id="{F2C91018-6A37-4339-9675-27B5B624C0E3}" type="datetimeFigureOut">
               <a:rPr lang="en-US" smtClean="0"/>
-              <a:t>6/28/2019</a:t>
+              <a:t>7/2/2019</a:t>
             </a:fld>
             <a:endParaRPr lang="en-US"/>
           </a:p>
@@ -5705,7 +5715,7 @@
           <a:p>
             <a:fld id="{F2C91018-6A37-4339-9675-27B5B624C0E3}" type="datetimeFigureOut">
               <a:rPr lang="en-US" smtClean="0"/>
-              <a:t>6/28/2019</a:t>
+              <a:t>7/2/2019</a:t>
             </a:fld>
             <a:endParaRPr lang="en-US"/>
           </a:p>
@@ -6507,742 +6517,7 @@
 </p:sld>
 </file>
 
-<file path=ppt/slides/slide2.xml><?xml version="1.0" encoding="utf-8"?>
-<p:sld xmlns:a="http://schemas.openxmlformats.org/drawingml/2006/main" xmlns:r="http://schemas.openxmlformats.org/officeDocument/2006/relationships" xmlns:p="http://schemas.openxmlformats.org/presentationml/2006/main">
-  <p:cSld>
-    <p:spTree>
-      <p:nvGrpSpPr>
-        <p:cNvPr id="1" name=""/>
-        <p:cNvGrpSpPr/>
-        <p:nvPr/>
-      </p:nvGrpSpPr>
-      <p:grpSpPr>
-        <a:xfrm>
-          <a:off x="0" y="0"/>
-          <a:ext cx="0" cy="0"/>
-          <a:chOff x="0" y="0"/>
-          <a:chExt cx="0" cy="0"/>
-        </a:xfrm>
-      </p:grpSpPr>
-      <p:sp>
-        <p:nvSpPr>
-          <p:cNvPr id="2" name="Title 1"/>
-          <p:cNvSpPr>
-            <a:spLocks noGrp="1"/>
-          </p:cNvSpPr>
-          <p:nvPr>
-            <p:ph type="title"/>
-          </p:nvPr>
-        </p:nvSpPr>
-        <p:spPr/>
-        <p:txBody>
-          <a:bodyPr/>
-          <a:lstStyle/>
-          <a:p>
-            <a:r>
-              <a:rPr lang="en-US" dirty="0" smtClean="0"/>
-              <a:t>Context</a:t>
-            </a:r>
-            <a:endParaRPr lang="en-US" dirty="0"/>
-          </a:p>
-        </p:txBody>
-      </p:sp>
-      <p:sp>
-        <p:nvSpPr>
-          <p:cNvPr id="3" name="Content Placeholder 2"/>
-          <p:cNvSpPr>
-            <a:spLocks noGrp="1"/>
-          </p:cNvSpPr>
-          <p:nvPr>
-            <p:ph idx="1"/>
-          </p:nvPr>
-        </p:nvSpPr>
-        <p:spPr>
-          <a:xfrm>
-            <a:off x="559220" y="1594533"/>
-            <a:ext cx="6980134" cy="4653874"/>
-          </a:xfrm>
-        </p:spPr>
-        <p:txBody>
-          <a:bodyPr>
-            <a:noAutofit/>
-          </a:bodyPr>
-          <a:lstStyle/>
-          <a:p>
-            <a:r>
-              <a:rPr lang="en-US" sz="2800" dirty="0" err="1"/>
-              <a:t>Multe</a:t>
-            </a:r>
-            <a:r>
-              <a:rPr lang="en-US" sz="2800" dirty="0"/>
-              <a:t> </a:t>
-            </a:r>
-            <a:r>
-              <a:rPr lang="en-US" sz="2800" dirty="0" err="1"/>
-              <a:t>lucruri</a:t>
-            </a:r>
-            <a:r>
-              <a:rPr lang="en-US" sz="2800" dirty="0"/>
-              <a:t> de </a:t>
-            </a:r>
-            <a:r>
-              <a:rPr lang="en-US" sz="2800" dirty="0" err="1"/>
-              <a:t>tinut</a:t>
-            </a:r>
-            <a:r>
-              <a:rPr lang="en-US" sz="2800" dirty="0"/>
-              <a:t> </a:t>
-            </a:r>
-            <a:r>
-              <a:rPr lang="en-US" sz="2800" dirty="0" err="1"/>
-              <a:t>minte</a:t>
-            </a:r>
-            <a:endParaRPr lang="en-US" sz="2800" dirty="0"/>
-          </a:p>
-          <a:p>
-            <a:pPr marL="0" indent="0">
-              <a:buNone/>
-            </a:pPr>
-            <a:endParaRPr lang="en-US" sz="2800" dirty="0"/>
-          </a:p>
-          <a:p>
-            <a:r>
-              <a:rPr lang="en-US" sz="2800" dirty="0" err="1"/>
-              <a:t>Intretinerea</a:t>
-            </a:r>
-            <a:r>
-              <a:rPr lang="en-US" sz="2800" dirty="0"/>
-              <a:t> </a:t>
-            </a:r>
-            <a:r>
-              <a:rPr lang="en-US" sz="2800" dirty="0" err="1"/>
-              <a:t>si</a:t>
-            </a:r>
-            <a:r>
-              <a:rPr lang="en-US" sz="2800" dirty="0"/>
-              <a:t> </a:t>
-            </a:r>
-            <a:r>
-              <a:rPr lang="en-US" sz="2800" dirty="0" err="1"/>
-              <a:t>documentele</a:t>
-            </a:r>
-            <a:r>
-              <a:rPr lang="en-US" sz="2800" dirty="0"/>
-              <a:t> </a:t>
-            </a:r>
-            <a:r>
-              <a:rPr lang="en-US" sz="2800" dirty="0" err="1"/>
-              <a:t>masinii</a:t>
-            </a:r>
-            <a:r>
-              <a:rPr lang="en-US" sz="2800" dirty="0"/>
-              <a:t> </a:t>
-            </a:r>
-            <a:r>
-              <a:rPr lang="en-US" sz="2800" dirty="0" err="1"/>
-              <a:t>sunt</a:t>
-            </a:r>
-            <a:r>
-              <a:rPr lang="en-US" sz="2800" dirty="0"/>
-              <a:t> </a:t>
-            </a:r>
-            <a:r>
-              <a:rPr lang="en-US" sz="2800" dirty="0" err="1"/>
-              <a:t>neglijate</a:t>
-            </a:r>
-            <a:endParaRPr lang="en-US" sz="2800" dirty="0"/>
-          </a:p>
-          <a:p>
-            <a:endParaRPr lang="en-US" sz="2800" dirty="0"/>
-          </a:p>
-          <a:p>
-            <a:r>
-              <a:rPr lang="en-US" sz="2800" dirty="0" err="1"/>
-              <a:t>Evitarea</a:t>
-            </a:r>
-            <a:r>
-              <a:rPr lang="en-US" sz="2800" dirty="0"/>
-              <a:t> </a:t>
-            </a:r>
-            <a:r>
-              <a:rPr lang="en-US" sz="2800" dirty="0" err="1"/>
-              <a:t>circularii</a:t>
-            </a:r>
-            <a:r>
-              <a:rPr lang="en-US" sz="2800" dirty="0"/>
-              <a:t> in </a:t>
-            </a:r>
-            <a:r>
-              <a:rPr lang="en-US" sz="2800" dirty="0" err="1"/>
-              <a:t>nelegalitate</a:t>
-            </a:r>
-            <a:endParaRPr lang="en-US" sz="2800" dirty="0"/>
-          </a:p>
-          <a:p>
-            <a:endParaRPr lang="en-US" sz="2800" dirty="0"/>
-          </a:p>
-          <a:p>
-            <a:r>
-              <a:rPr lang="en-US" sz="2800" dirty="0" err="1"/>
-              <a:t>Monitorizarea</a:t>
-            </a:r>
-            <a:r>
-              <a:rPr lang="en-US" sz="2800" dirty="0"/>
-              <a:t> </a:t>
-            </a:r>
-            <a:r>
-              <a:rPr lang="en-US" sz="2800" dirty="0" err="1"/>
-              <a:t>autovehiculelor</a:t>
-            </a:r>
-            <a:r>
-              <a:rPr lang="en-US" sz="2800" dirty="0"/>
-              <a:t> </a:t>
-            </a:r>
-            <a:r>
-              <a:rPr lang="en-US" sz="2800" dirty="0" err="1"/>
-              <a:t>si</a:t>
-            </a:r>
-            <a:r>
-              <a:rPr lang="en-US" sz="2800" dirty="0"/>
-              <a:t> </a:t>
-            </a:r>
-            <a:r>
-              <a:rPr lang="en-US" sz="2800" dirty="0" err="1"/>
-              <a:t>scadentelor</a:t>
-            </a:r>
-            <a:r>
-              <a:rPr lang="en-US" sz="2800" dirty="0"/>
-              <a:t> </a:t>
-            </a:r>
-            <a:r>
-              <a:rPr lang="en-US" sz="2800" dirty="0" err="1"/>
-              <a:t>acestora</a:t>
-            </a:r>
-            <a:endParaRPr lang="en-US" sz="2800" dirty="0"/>
-          </a:p>
-        </p:txBody>
-      </p:sp>
-    </p:spTree>
-    <p:extLst>
-      <p:ext uri="{BB962C8B-B14F-4D97-AF65-F5344CB8AC3E}">
-        <p14:creationId xmlns:p14="http://schemas.microsoft.com/office/powerpoint/2010/main" val="3949847012"/>
-      </p:ext>
-    </p:extLst>
-  </p:cSld>
-  <p:clrMapOvr>
-    <a:masterClrMapping/>
-  </p:clrMapOvr>
-  <p:timing>
-    <p:tnLst>
-      <p:par>
-        <p:cTn id="1" dur="indefinite" restart="never" nodeType="tmRoot"/>
-      </p:par>
-    </p:tnLst>
-  </p:timing>
-</p:sld>
-</file>
-
-<file path=ppt/slides/slide3.xml><?xml version="1.0" encoding="utf-8"?>
-<p:sld xmlns:a="http://schemas.openxmlformats.org/drawingml/2006/main" xmlns:r="http://schemas.openxmlformats.org/officeDocument/2006/relationships" xmlns:p="http://schemas.openxmlformats.org/presentationml/2006/main">
-  <p:cSld>
-    <p:spTree>
-      <p:nvGrpSpPr>
-        <p:cNvPr id="1" name=""/>
-        <p:cNvGrpSpPr/>
-        <p:nvPr/>
-      </p:nvGrpSpPr>
-      <p:grpSpPr>
-        <a:xfrm>
-          <a:off x="0" y="0"/>
-          <a:ext cx="0" cy="0"/>
-          <a:chOff x="0" y="0"/>
-          <a:chExt cx="0" cy="0"/>
-        </a:xfrm>
-      </p:grpSpPr>
-      <p:sp>
-        <p:nvSpPr>
-          <p:cNvPr id="2" name="Title 1"/>
-          <p:cNvSpPr>
-            <a:spLocks noGrp="1"/>
-          </p:cNvSpPr>
-          <p:nvPr>
-            <p:ph type="title"/>
-          </p:nvPr>
-        </p:nvSpPr>
-        <p:spPr/>
-        <p:txBody>
-          <a:bodyPr/>
-          <a:lstStyle/>
-          <a:p>
-            <a:r>
-              <a:rPr lang="en-US" dirty="0" err="1" smtClean="0"/>
-              <a:t>Scurta</a:t>
-            </a:r>
-            <a:r>
-              <a:rPr lang="en-US" dirty="0" smtClean="0"/>
-              <a:t> </a:t>
-            </a:r>
-            <a:r>
-              <a:rPr lang="en-US" dirty="0" err="1" smtClean="0"/>
-              <a:t>descriere</a:t>
-            </a:r>
-            <a:endParaRPr lang="en-US" dirty="0"/>
-          </a:p>
-        </p:txBody>
-      </p:sp>
-      <p:sp>
-        <p:nvSpPr>
-          <p:cNvPr id="3" name="Content Placeholder 2"/>
-          <p:cNvSpPr>
-            <a:spLocks noGrp="1"/>
-          </p:cNvSpPr>
-          <p:nvPr>
-            <p:ph idx="1"/>
-          </p:nvPr>
-        </p:nvSpPr>
-        <p:spPr>
-          <a:xfrm>
-            <a:off x="484710" y="1420721"/>
-            <a:ext cx="7054644" cy="4827685"/>
-          </a:xfrm>
-        </p:spPr>
-        <p:txBody>
-          <a:bodyPr>
-            <a:normAutofit/>
-          </a:bodyPr>
-          <a:lstStyle/>
-          <a:p>
-            <a:r>
-              <a:rPr lang="en-US" sz="2800" dirty="0" err="1"/>
-              <a:t>Aplicatie</a:t>
-            </a:r>
-            <a:r>
-              <a:rPr lang="en-US" sz="2800" dirty="0"/>
-              <a:t> WEB</a:t>
-            </a:r>
-          </a:p>
-          <a:p>
-            <a:r>
-              <a:rPr lang="en-US" sz="2800" dirty="0" err="1" smtClean="0"/>
-              <a:t>Autentificare</a:t>
-            </a:r>
-            <a:endParaRPr lang="en-US" sz="2800" dirty="0" smtClean="0"/>
-          </a:p>
-          <a:p>
-            <a:r>
-              <a:rPr lang="en-US" sz="2800" dirty="0" err="1"/>
-              <a:t>Notificari</a:t>
-            </a:r>
-            <a:r>
-              <a:rPr lang="en-US" sz="2800" dirty="0"/>
-              <a:t> </a:t>
-            </a:r>
-            <a:r>
-              <a:rPr lang="en-US" sz="2800" dirty="0" err="1"/>
-              <a:t>prin</a:t>
-            </a:r>
-            <a:r>
-              <a:rPr lang="en-US" sz="2800" dirty="0"/>
-              <a:t> </a:t>
-            </a:r>
-            <a:r>
-              <a:rPr lang="en-US" sz="2800" dirty="0" smtClean="0"/>
-              <a:t>email</a:t>
-            </a:r>
-            <a:endParaRPr lang="en-US" sz="2800" dirty="0"/>
-          </a:p>
-          <a:p>
-            <a:r>
-              <a:rPr lang="en-US" sz="2800" dirty="0" err="1"/>
-              <a:t>Aplicatia</a:t>
-            </a:r>
-            <a:r>
-              <a:rPr lang="en-US" sz="2800" dirty="0"/>
-              <a:t> are la </a:t>
-            </a:r>
-            <a:r>
-              <a:rPr lang="en-US" sz="2800" dirty="0" err="1"/>
-              <a:t>baza</a:t>
-            </a:r>
-            <a:r>
-              <a:rPr lang="en-US" sz="2800" dirty="0"/>
-              <a:t> 3 </a:t>
-            </a:r>
-            <a:r>
-              <a:rPr lang="en-US" sz="2800" dirty="0" err="1"/>
-              <a:t>entitati</a:t>
-            </a:r>
-            <a:r>
-              <a:rPr lang="en-US" sz="2800" dirty="0"/>
-              <a:t>:</a:t>
-            </a:r>
-          </a:p>
-          <a:p>
-            <a:pPr lvl="2"/>
-            <a:r>
-              <a:rPr lang="en-US" sz="2200" dirty="0" err="1"/>
-              <a:t>Utilizator</a:t>
-            </a:r>
-            <a:endParaRPr lang="en-US" sz="2200" dirty="0"/>
-          </a:p>
-          <a:p>
-            <a:pPr lvl="2"/>
-            <a:r>
-              <a:rPr lang="en-US" sz="2200" dirty="0" err="1"/>
-              <a:t>Masina</a:t>
-            </a:r>
-            <a:endParaRPr lang="en-US" sz="2200" dirty="0"/>
-          </a:p>
-          <a:p>
-            <a:pPr lvl="2"/>
-            <a:r>
-              <a:rPr lang="en-US" sz="2200" dirty="0" err="1" smtClean="0"/>
-              <a:t>Scadent</a:t>
-            </a:r>
-            <a:endParaRPr lang="en-US" sz="2200" dirty="0"/>
-          </a:p>
-          <a:p>
-            <a:endParaRPr lang="en-US" sz="2600" dirty="0" smtClean="0"/>
-          </a:p>
-          <a:p>
-            <a:endParaRPr lang="en-US" sz="2600" dirty="0"/>
-          </a:p>
-          <a:p>
-            <a:pPr marL="0" indent="0">
-              <a:buNone/>
-            </a:pPr>
-            <a:endParaRPr lang="en-US" sz="2600" dirty="0"/>
-          </a:p>
-        </p:txBody>
-      </p:sp>
-      <p:pic>
-        <p:nvPicPr>
-          <p:cNvPr id="1026" name="Picture 2" descr="Untitled Diagram (1)"/>
-          <p:cNvPicPr>
-            <a:picLocks noChangeAspect="1" noChangeArrowheads="1"/>
-          </p:cNvPicPr>
-          <p:nvPr/>
-        </p:nvPicPr>
-        <p:blipFill>
-          <a:blip r:embed="rId2">
-            <a:extLst>
-              <a:ext uri="{28A0092B-C50C-407E-A947-70E740481C1C}">
-                <a14:useLocalDpi xmlns:a14="http://schemas.microsoft.com/office/drawing/2010/main" val="0"/>
-              </a:ext>
-            </a:extLst>
-          </a:blip>
-          <a:srcRect/>
-          <a:stretch>
-            <a:fillRect/>
-          </a:stretch>
-        </p:blipFill>
-        <p:spPr bwMode="auto">
-          <a:xfrm>
-            <a:off x="3252126" y="3834563"/>
-            <a:ext cx="4739681" cy="2248450"/>
-          </a:xfrm>
-          <a:prstGeom prst="rect">
-            <a:avLst/>
-          </a:prstGeom>
-          <a:noFill/>
-          <a:ln>
-            <a:noFill/>
-          </a:ln>
-          <a:extLst>
-            <a:ext uri="{909E8E84-426E-40DD-AFC4-6F175D3DCCD1}">
-              <a14:hiddenFill xmlns:a14="http://schemas.microsoft.com/office/drawing/2010/main">
-                <a:solidFill>
-                  <a:srgbClr val="FFFFFF"/>
-                </a:solidFill>
-              </a14:hiddenFill>
-            </a:ext>
-            <a:ext uri="{91240B29-F687-4F45-9708-019B960494DF}">
-              <a14:hiddenLine xmlns:a14="http://schemas.microsoft.com/office/drawing/2010/main" w="9525">
-                <a:solidFill>
-                  <a:srgbClr val="000000"/>
-                </a:solidFill>
-                <a:miter lim="800000"/>
-                <a:headEnd/>
-                <a:tailEnd/>
-              </a14:hiddenLine>
-            </a:ext>
-          </a:extLst>
-        </p:spPr>
-      </p:pic>
-    </p:spTree>
-    <p:extLst>
-      <p:ext uri="{BB962C8B-B14F-4D97-AF65-F5344CB8AC3E}">
-        <p14:creationId xmlns:p14="http://schemas.microsoft.com/office/powerpoint/2010/main" val="3859307828"/>
-      </p:ext>
-    </p:extLst>
-  </p:cSld>
-  <p:clrMapOvr>
-    <a:masterClrMapping/>
-  </p:clrMapOvr>
-  <p:timing>
-    <p:tnLst>
-      <p:par>
-        <p:cTn id="1" dur="indefinite" restart="never" nodeType="tmRoot"/>
-      </p:par>
-    </p:tnLst>
-  </p:timing>
-</p:sld>
-</file>
-
-<file path=ppt/slides/slide4.xml><?xml version="1.0" encoding="utf-8"?>
-<p:sld xmlns:a="http://schemas.openxmlformats.org/drawingml/2006/main" xmlns:r="http://schemas.openxmlformats.org/officeDocument/2006/relationships" xmlns:p="http://schemas.openxmlformats.org/presentationml/2006/main">
-  <p:cSld>
-    <p:spTree>
-      <p:nvGrpSpPr>
-        <p:cNvPr id="1" name=""/>
-        <p:cNvGrpSpPr/>
-        <p:nvPr/>
-      </p:nvGrpSpPr>
-      <p:grpSpPr>
-        <a:xfrm>
-          <a:off x="0" y="0"/>
-          <a:ext cx="0" cy="0"/>
-          <a:chOff x="0" y="0"/>
-          <a:chExt cx="0" cy="0"/>
-        </a:xfrm>
-      </p:grpSpPr>
-      <p:sp>
-        <p:nvSpPr>
-          <p:cNvPr id="2" name="Title 1"/>
-          <p:cNvSpPr>
-            <a:spLocks noGrp="1"/>
-          </p:cNvSpPr>
-          <p:nvPr>
-            <p:ph type="title"/>
-          </p:nvPr>
-        </p:nvSpPr>
-        <p:spPr/>
-        <p:txBody>
-          <a:bodyPr/>
-          <a:lstStyle/>
-          <a:p>
-            <a:r>
-              <a:rPr lang="en-US" dirty="0" err="1" smtClean="0"/>
-              <a:t>Detalii</a:t>
-            </a:r>
-            <a:r>
-              <a:rPr lang="en-US" dirty="0" smtClean="0"/>
-              <a:t> </a:t>
-            </a:r>
-            <a:r>
-              <a:rPr lang="en-US" dirty="0" err="1" smtClean="0"/>
-              <a:t>implementare</a:t>
-            </a:r>
-            <a:endParaRPr lang="en-US" dirty="0"/>
-          </a:p>
-        </p:txBody>
-      </p:sp>
-      <p:sp>
-        <p:nvSpPr>
-          <p:cNvPr id="3" name="Content Placeholder 2"/>
-          <p:cNvSpPr>
-            <a:spLocks noGrp="1"/>
-          </p:cNvSpPr>
-          <p:nvPr>
-            <p:ph idx="1"/>
-          </p:nvPr>
-        </p:nvSpPr>
-        <p:spPr>
-          <a:xfrm>
-            <a:off x="551663" y="1410512"/>
-            <a:ext cx="7974190" cy="4837888"/>
-          </a:xfrm>
-        </p:spPr>
-        <p:txBody>
-          <a:bodyPr/>
-          <a:lstStyle/>
-          <a:p>
-            <a:pPr marL="0" indent="0">
-              <a:buNone/>
-            </a:pPr>
-            <a:r>
-              <a:rPr lang="en-US" sz="2400" dirty="0" err="1"/>
-              <a:t>Aplicatia</a:t>
-            </a:r>
-            <a:r>
-              <a:rPr lang="en-US" sz="2400" dirty="0"/>
-              <a:t> </a:t>
-            </a:r>
-            <a:r>
-              <a:rPr lang="en-US" sz="2400" dirty="0" err="1"/>
-              <a:t>este</a:t>
-            </a:r>
-            <a:r>
-              <a:rPr lang="en-US" sz="2400" dirty="0"/>
-              <a:t> </a:t>
-            </a:r>
-            <a:r>
-              <a:rPr lang="en-US" sz="2400" dirty="0" err="1"/>
-              <a:t>dezvoltata</a:t>
-            </a:r>
-            <a:r>
-              <a:rPr lang="en-US" sz="2400" dirty="0"/>
-              <a:t> </a:t>
-            </a:r>
-            <a:r>
-              <a:rPr lang="en-US" sz="2400" dirty="0" err="1"/>
-              <a:t>folosind</a:t>
-            </a:r>
-            <a:r>
-              <a:rPr lang="en-US" sz="2400" dirty="0"/>
-              <a:t>:</a:t>
-            </a:r>
-          </a:p>
-          <a:p>
-            <a:r>
-              <a:rPr lang="en-US" dirty="0" smtClean="0"/>
-              <a:t> Flask framework</a:t>
-            </a:r>
-          </a:p>
-          <a:p>
-            <a:r>
-              <a:rPr lang="en-US" dirty="0" smtClean="0"/>
-              <a:t> Bootstrap</a:t>
-            </a:r>
-            <a:endParaRPr lang="en-US" dirty="0"/>
-          </a:p>
-          <a:p>
-            <a:r>
-              <a:rPr lang="en-US" dirty="0" smtClean="0"/>
-              <a:t> MySQL (cu </a:t>
-            </a:r>
-            <a:r>
-              <a:rPr lang="en-US" dirty="0" err="1" smtClean="0"/>
-              <a:t>ajutorul</a:t>
-            </a:r>
-            <a:r>
-              <a:rPr lang="en-US" dirty="0" smtClean="0"/>
-              <a:t> </a:t>
-            </a:r>
-            <a:r>
-              <a:rPr lang="en-US" dirty="0" err="1" smtClean="0"/>
-              <a:t>SQLAlchemy</a:t>
-            </a:r>
-            <a:r>
-              <a:rPr lang="en-US" dirty="0" smtClean="0"/>
-              <a:t>)</a:t>
-            </a:r>
-          </a:p>
-          <a:p>
-            <a:r>
-              <a:rPr lang="en-US" dirty="0"/>
-              <a:t> </a:t>
-            </a:r>
-            <a:r>
-              <a:rPr lang="en-US" dirty="0" smtClean="0"/>
-              <a:t>Docker + Docker compose</a:t>
-            </a:r>
-          </a:p>
-          <a:p>
-            <a:pPr marL="0" indent="0">
-              <a:buNone/>
-            </a:pPr>
-            <a:endParaRPr lang="en-US" dirty="0"/>
-          </a:p>
-          <a:p>
-            <a:pPr marL="0" indent="0">
-              <a:buNone/>
-            </a:pPr>
-            <a:r>
-              <a:rPr lang="en-US" dirty="0" smtClean="0"/>
-              <a:t>Ca </a:t>
-            </a:r>
-            <a:r>
-              <a:rPr lang="en-US" dirty="0" err="1"/>
-              <a:t>limbaje</a:t>
-            </a:r>
-            <a:r>
-              <a:rPr lang="en-US" dirty="0"/>
-              <a:t> </a:t>
-            </a:r>
-            <a:r>
-              <a:rPr lang="en-US" dirty="0" err="1"/>
-              <a:t>folosite</a:t>
-            </a:r>
-            <a:r>
-              <a:rPr lang="en-US" dirty="0"/>
-              <a:t> </a:t>
-            </a:r>
-            <a:r>
-              <a:rPr lang="en-US" dirty="0" err="1"/>
-              <a:t>amintim</a:t>
-            </a:r>
-            <a:r>
-              <a:rPr lang="en-US" dirty="0" smtClean="0"/>
-              <a:t>:</a:t>
-            </a:r>
-          </a:p>
-          <a:p>
-            <a:r>
-              <a:rPr lang="en-US" dirty="0"/>
-              <a:t> </a:t>
-            </a:r>
-            <a:r>
-              <a:rPr lang="en-US" dirty="0" smtClean="0"/>
-              <a:t>Python</a:t>
-            </a:r>
-          </a:p>
-          <a:p>
-            <a:r>
-              <a:rPr lang="en-US" dirty="0" smtClean="0"/>
-              <a:t> HTML/CSS</a:t>
-            </a:r>
-          </a:p>
-          <a:p>
-            <a:r>
-              <a:rPr lang="en-US" dirty="0"/>
-              <a:t> </a:t>
-            </a:r>
-            <a:r>
-              <a:rPr lang="en-US" dirty="0" smtClean="0"/>
-              <a:t>Bash (</a:t>
-            </a:r>
-            <a:r>
-              <a:rPr lang="en-US" dirty="0" err="1" smtClean="0"/>
-              <a:t>scripturi</a:t>
-            </a:r>
-            <a:r>
-              <a:rPr lang="en-US" dirty="0" smtClean="0"/>
-              <a:t>)</a:t>
-            </a:r>
-          </a:p>
-          <a:p>
-            <a:endParaRPr lang="en-US" dirty="0"/>
-          </a:p>
-          <a:p>
-            <a:endParaRPr lang="en-US" dirty="0" smtClean="0"/>
-          </a:p>
-          <a:p>
-            <a:endParaRPr lang="en-US" dirty="0" smtClean="0"/>
-          </a:p>
-        </p:txBody>
-      </p:sp>
-    </p:spTree>
-    <p:extLst>
-      <p:ext uri="{BB962C8B-B14F-4D97-AF65-F5344CB8AC3E}">
-        <p14:creationId xmlns:p14="http://schemas.microsoft.com/office/powerpoint/2010/main" val="775302008"/>
-      </p:ext>
-    </p:extLst>
-  </p:cSld>
-  <p:clrMapOvr>
-    <a:masterClrMapping/>
-  </p:clrMapOvr>
-  <p:timing>
-    <p:tnLst>
-      <p:par>
-        <p:cTn id="1" dur="indefinite" restart="never" nodeType="tmRoot"/>
-      </p:par>
-    </p:tnLst>
-  </p:timing>
-</p:sld>
-</file>
-
-<file path=ppt/slides/slide5.xml><?xml version="1.0" encoding="utf-8"?>
+<file path=ppt/slides/slide10.xml><?xml version="1.0" encoding="utf-8"?>
 <p:sld xmlns:a="http://schemas.openxmlformats.org/drawingml/2006/main" xmlns:r="http://schemas.openxmlformats.org/officeDocument/2006/relationships" xmlns:p="http://schemas.openxmlformats.org/presentationml/2006/main">
   <p:cSld>
     <p:spTree>
@@ -7411,7 +6686,7 @@
 </p:sld>
 </file>
 
-<file path=ppt/slides/slide6.xml><?xml version="1.0" encoding="utf-8"?>
+<file path=ppt/slides/slide11.xml><?xml version="1.0" encoding="utf-8"?>
 <p:sld xmlns:a="http://schemas.openxmlformats.org/drawingml/2006/main" xmlns:r="http://schemas.openxmlformats.org/officeDocument/2006/relationships" xmlns:p="http://schemas.openxmlformats.org/presentationml/2006/main">
   <p:cSld>
     <p:spTree>
@@ -7537,7 +6812,647 @@
 </p:sld>
 </file>
 
-<file path=ppt/slides/slide7.xml><?xml version="1.0" encoding="utf-8"?>
+<file path=ppt/slides/slide12.xml><?xml version="1.0" encoding="utf-8"?>
+<p:sld xmlns:a="http://schemas.openxmlformats.org/drawingml/2006/main" xmlns:r="http://schemas.openxmlformats.org/officeDocument/2006/relationships" xmlns:p="http://schemas.openxmlformats.org/presentationml/2006/main">
+  <p:cSld>
+    <p:spTree>
+      <p:nvGrpSpPr>
+        <p:cNvPr id="1" name=""/>
+        <p:cNvGrpSpPr/>
+        <p:nvPr/>
+      </p:nvGrpSpPr>
+      <p:grpSpPr>
+        <a:xfrm>
+          <a:off x="0" y="0"/>
+          <a:ext cx="0" cy="0"/>
+          <a:chOff x="0" y="0"/>
+          <a:chExt cx="0" cy="0"/>
+        </a:xfrm>
+      </p:grpSpPr>
+      <p:sp>
+        <p:nvSpPr>
+          <p:cNvPr id="2" name="Title 1"/>
+          <p:cNvSpPr>
+            <a:spLocks noGrp="1"/>
+          </p:cNvSpPr>
+          <p:nvPr>
+            <p:ph type="title"/>
+          </p:nvPr>
+        </p:nvSpPr>
+        <p:spPr/>
+        <p:txBody>
+          <a:bodyPr/>
+          <a:lstStyle/>
+          <a:p>
+            <a:r>
+              <a:rPr lang="en-US" dirty="0" err="1" smtClean="0"/>
+              <a:t>Detalii</a:t>
+            </a:r>
+            <a:r>
+              <a:rPr lang="en-US" dirty="0" smtClean="0"/>
+              <a:t> </a:t>
+            </a:r>
+            <a:r>
+              <a:rPr lang="en-US" dirty="0" err="1" smtClean="0"/>
+              <a:t>implementare</a:t>
+            </a:r>
+            <a:endParaRPr lang="en-US" dirty="0"/>
+          </a:p>
+        </p:txBody>
+      </p:sp>
+      <p:sp>
+        <p:nvSpPr>
+          <p:cNvPr id="3" name="Content Placeholder 2"/>
+          <p:cNvSpPr>
+            <a:spLocks noGrp="1"/>
+          </p:cNvSpPr>
+          <p:nvPr>
+            <p:ph idx="1"/>
+          </p:nvPr>
+        </p:nvSpPr>
+        <p:spPr>
+          <a:xfrm>
+            <a:off x="551663" y="1410512"/>
+            <a:ext cx="7974190" cy="4837888"/>
+          </a:xfrm>
+        </p:spPr>
+        <p:txBody>
+          <a:bodyPr/>
+          <a:lstStyle/>
+          <a:p>
+            <a:pPr marL="0" indent="0">
+              <a:buNone/>
+            </a:pPr>
+            <a:r>
+              <a:rPr lang="en-US" sz="2400" dirty="0" err="1"/>
+              <a:t>Aplicatia</a:t>
+            </a:r>
+            <a:r>
+              <a:rPr lang="en-US" sz="2400" dirty="0"/>
+              <a:t> </a:t>
+            </a:r>
+            <a:r>
+              <a:rPr lang="en-US" sz="2400" dirty="0" err="1"/>
+              <a:t>este</a:t>
+            </a:r>
+            <a:r>
+              <a:rPr lang="en-US" sz="2400" dirty="0"/>
+              <a:t> </a:t>
+            </a:r>
+            <a:r>
+              <a:rPr lang="en-US" sz="2400" dirty="0" err="1"/>
+              <a:t>dezvoltata</a:t>
+            </a:r>
+            <a:r>
+              <a:rPr lang="en-US" sz="2400" dirty="0"/>
+              <a:t> </a:t>
+            </a:r>
+            <a:r>
+              <a:rPr lang="en-US" sz="2400" dirty="0" err="1"/>
+              <a:t>folosind</a:t>
+            </a:r>
+            <a:r>
+              <a:rPr lang="en-US" sz="2400" dirty="0"/>
+              <a:t>:</a:t>
+            </a:r>
+          </a:p>
+          <a:p>
+            <a:r>
+              <a:rPr lang="en-US" dirty="0" smtClean="0"/>
+              <a:t> Flask framework</a:t>
+            </a:r>
+          </a:p>
+          <a:p>
+            <a:r>
+              <a:rPr lang="en-US" dirty="0" smtClean="0"/>
+              <a:t> Bootstrap</a:t>
+            </a:r>
+            <a:endParaRPr lang="en-US" dirty="0"/>
+          </a:p>
+          <a:p>
+            <a:r>
+              <a:rPr lang="en-US" dirty="0" smtClean="0"/>
+              <a:t> MySQL (cu </a:t>
+            </a:r>
+            <a:r>
+              <a:rPr lang="en-US" dirty="0" err="1" smtClean="0"/>
+              <a:t>ajutorul</a:t>
+            </a:r>
+            <a:r>
+              <a:rPr lang="en-US" dirty="0" smtClean="0"/>
+              <a:t> </a:t>
+            </a:r>
+            <a:r>
+              <a:rPr lang="en-US" dirty="0" err="1" smtClean="0"/>
+              <a:t>SQLAlchemy</a:t>
+            </a:r>
+            <a:r>
+              <a:rPr lang="en-US" dirty="0" smtClean="0"/>
+              <a:t>)</a:t>
+            </a:r>
+          </a:p>
+          <a:p>
+            <a:r>
+              <a:rPr lang="en-US" dirty="0"/>
+              <a:t> </a:t>
+            </a:r>
+            <a:r>
+              <a:rPr lang="en-US" dirty="0" smtClean="0"/>
+              <a:t>Docker + Docker compose</a:t>
+            </a:r>
+          </a:p>
+          <a:p>
+            <a:pPr marL="0" indent="0">
+              <a:buNone/>
+            </a:pPr>
+            <a:endParaRPr lang="en-US" dirty="0"/>
+          </a:p>
+          <a:p>
+            <a:pPr marL="0" indent="0">
+              <a:buNone/>
+            </a:pPr>
+            <a:r>
+              <a:rPr lang="en-US" dirty="0" smtClean="0"/>
+              <a:t>Ca </a:t>
+            </a:r>
+            <a:r>
+              <a:rPr lang="en-US" dirty="0" err="1"/>
+              <a:t>limbaje</a:t>
+            </a:r>
+            <a:r>
+              <a:rPr lang="en-US" dirty="0"/>
+              <a:t> </a:t>
+            </a:r>
+            <a:r>
+              <a:rPr lang="en-US" dirty="0" err="1"/>
+              <a:t>folosite</a:t>
+            </a:r>
+            <a:r>
+              <a:rPr lang="en-US" dirty="0"/>
+              <a:t> </a:t>
+            </a:r>
+            <a:r>
+              <a:rPr lang="en-US" dirty="0" err="1"/>
+              <a:t>amintim</a:t>
+            </a:r>
+            <a:r>
+              <a:rPr lang="en-US" dirty="0" smtClean="0"/>
+              <a:t>:</a:t>
+            </a:r>
+          </a:p>
+          <a:p>
+            <a:r>
+              <a:rPr lang="en-US" dirty="0"/>
+              <a:t> </a:t>
+            </a:r>
+            <a:r>
+              <a:rPr lang="en-US" dirty="0" smtClean="0"/>
+              <a:t>Python</a:t>
+            </a:r>
+          </a:p>
+          <a:p>
+            <a:r>
+              <a:rPr lang="en-US" dirty="0" smtClean="0"/>
+              <a:t> HTML/CSS</a:t>
+            </a:r>
+          </a:p>
+          <a:p>
+            <a:r>
+              <a:rPr lang="en-US" dirty="0"/>
+              <a:t> </a:t>
+            </a:r>
+            <a:r>
+              <a:rPr lang="en-US" dirty="0" smtClean="0"/>
+              <a:t>Bash (</a:t>
+            </a:r>
+            <a:r>
+              <a:rPr lang="en-US" dirty="0" err="1" smtClean="0"/>
+              <a:t>scripturi</a:t>
+            </a:r>
+            <a:r>
+              <a:rPr lang="en-US" dirty="0" smtClean="0"/>
+              <a:t>)</a:t>
+            </a:r>
+          </a:p>
+          <a:p>
+            <a:endParaRPr lang="en-US" dirty="0"/>
+          </a:p>
+          <a:p>
+            <a:endParaRPr lang="en-US" dirty="0" smtClean="0"/>
+          </a:p>
+          <a:p>
+            <a:endParaRPr lang="en-US" dirty="0" smtClean="0"/>
+          </a:p>
+        </p:txBody>
+      </p:sp>
+    </p:spTree>
+    <p:extLst>
+      <p:ext uri="{BB962C8B-B14F-4D97-AF65-F5344CB8AC3E}">
+        <p14:creationId xmlns:p14="http://schemas.microsoft.com/office/powerpoint/2010/main" val="775302008"/>
+      </p:ext>
+    </p:extLst>
+  </p:cSld>
+  <p:clrMapOvr>
+    <a:masterClrMapping/>
+  </p:clrMapOvr>
+  <p:timing>
+    <p:tnLst>
+      <p:par>
+        <p:cTn id="1" dur="indefinite" restart="never" nodeType="tmRoot"/>
+      </p:par>
+    </p:tnLst>
+  </p:timing>
+</p:sld>
+</file>
+
+<file path=ppt/slides/slide13.xml><?xml version="1.0" encoding="utf-8"?>
+<p:sld xmlns:a="http://schemas.openxmlformats.org/drawingml/2006/main" xmlns:r="http://schemas.openxmlformats.org/officeDocument/2006/relationships" xmlns:p="http://schemas.openxmlformats.org/presentationml/2006/main">
+  <p:cSld>
+    <p:spTree>
+      <p:nvGrpSpPr>
+        <p:cNvPr id="1" name=""/>
+        <p:cNvGrpSpPr/>
+        <p:nvPr/>
+      </p:nvGrpSpPr>
+      <p:grpSpPr>
+        <a:xfrm>
+          <a:off x="0" y="0"/>
+          <a:ext cx="0" cy="0"/>
+          <a:chOff x="0" y="0"/>
+          <a:chExt cx="0" cy="0"/>
+        </a:xfrm>
+      </p:grpSpPr>
+      <p:sp>
+        <p:nvSpPr>
+          <p:cNvPr id="2" name="Title 1"/>
+          <p:cNvSpPr>
+            <a:spLocks noGrp="1"/>
+          </p:cNvSpPr>
+          <p:nvPr>
+            <p:ph type="title"/>
+          </p:nvPr>
+        </p:nvSpPr>
+        <p:spPr/>
+        <p:txBody>
+          <a:bodyPr/>
+          <a:lstStyle/>
+          <a:p>
+            <a:r>
+              <a:rPr lang="en-US" dirty="0" err="1" smtClean="0"/>
+              <a:t>Inregistrare</a:t>
+            </a:r>
+            <a:r>
+              <a:rPr lang="en-US" dirty="0" smtClean="0"/>
+              <a:t> </a:t>
+            </a:r>
+            <a:r>
+              <a:rPr lang="en-US" dirty="0" err="1" smtClean="0"/>
+              <a:t>si</a:t>
+            </a:r>
+            <a:r>
+              <a:rPr lang="en-US" dirty="0" smtClean="0"/>
+              <a:t> </a:t>
+            </a:r>
+            <a:r>
+              <a:rPr lang="en-US" dirty="0" err="1" smtClean="0"/>
+              <a:t>logare</a:t>
+            </a:r>
+            <a:endParaRPr lang="en-US" dirty="0"/>
+          </a:p>
+        </p:txBody>
+      </p:sp>
+      <p:pic>
+        <p:nvPicPr>
+          <p:cNvPr id="4" name="Picture 3"/>
+          <p:cNvPicPr>
+            <a:picLocks noChangeAspect="1"/>
+          </p:cNvPicPr>
+          <p:nvPr/>
+        </p:nvPicPr>
+        <p:blipFill>
+          <a:blip r:embed="rId2"/>
+          <a:stretch>
+            <a:fillRect/>
+          </a:stretch>
+        </p:blipFill>
+        <p:spPr>
+          <a:xfrm>
+            <a:off x="1032793" y="1853248"/>
+            <a:ext cx="3200400" cy="4038600"/>
+          </a:xfrm>
+          <a:prstGeom prst="rect">
+            <a:avLst/>
+          </a:prstGeom>
+        </p:spPr>
+      </p:pic>
+      <p:pic>
+        <p:nvPicPr>
+          <p:cNvPr id="5" name="Picture 4"/>
+          <p:cNvPicPr>
+            <a:picLocks noChangeAspect="1"/>
+          </p:cNvPicPr>
+          <p:nvPr/>
+        </p:nvPicPr>
+        <p:blipFill>
+          <a:blip r:embed="rId3"/>
+          <a:stretch>
+            <a:fillRect/>
+          </a:stretch>
+        </p:blipFill>
+        <p:spPr>
+          <a:xfrm>
+            <a:off x="5072576" y="1853248"/>
+            <a:ext cx="3014861" cy="4038600"/>
+          </a:xfrm>
+          <a:prstGeom prst="rect">
+            <a:avLst/>
+          </a:prstGeom>
+        </p:spPr>
+      </p:pic>
+    </p:spTree>
+    <p:extLst>
+      <p:ext uri="{BB962C8B-B14F-4D97-AF65-F5344CB8AC3E}">
+        <p14:creationId xmlns:p14="http://schemas.microsoft.com/office/powerpoint/2010/main" val="2551335998"/>
+      </p:ext>
+    </p:extLst>
+  </p:cSld>
+  <p:clrMapOvr>
+    <a:masterClrMapping/>
+  </p:clrMapOvr>
+  <p:timing>
+    <p:tnLst>
+      <p:par>
+        <p:cTn id="1" dur="indefinite" restart="never" nodeType="tmRoot"/>
+      </p:par>
+    </p:tnLst>
+  </p:timing>
+</p:sld>
+</file>
+
+<file path=ppt/slides/slide14.xml><?xml version="1.0" encoding="utf-8"?>
+<p:sld xmlns:a="http://schemas.openxmlformats.org/drawingml/2006/main" xmlns:r="http://schemas.openxmlformats.org/officeDocument/2006/relationships" xmlns:p="http://schemas.openxmlformats.org/presentationml/2006/main">
+  <p:cSld>
+    <p:spTree>
+      <p:nvGrpSpPr>
+        <p:cNvPr id="1" name=""/>
+        <p:cNvGrpSpPr/>
+        <p:nvPr/>
+      </p:nvGrpSpPr>
+      <p:grpSpPr>
+        <a:xfrm>
+          <a:off x="0" y="0"/>
+          <a:ext cx="0" cy="0"/>
+          <a:chOff x="0" y="0"/>
+          <a:chExt cx="0" cy="0"/>
+        </a:xfrm>
+      </p:grpSpPr>
+      <p:sp>
+        <p:nvSpPr>
+          <p:cNvPr id="2" name="Title 1"/>
+          <p:cNvSpPr>
+            <a:spLocks noGrp="1"/>
+          </p:cNvSpPr>
+          <p:nvPr>
+            <p:ph type="title"/>
+          </p:nvPr>
+        </p:nvSpPr>
+        <p:spPr>
+          <a:xfrm>
+            <a:off x="484709" y="452718"/>
+            <a:ext cx="7326879" cy="1400530"/>
+          </a:xfrm>
+        </p:spPr>
+        <p:txBody>
+          <a:bodyPr/>
+          <a:lstStyle/>
+          <a:p>
+            <a:r>
+              <a:rPr lang="en-US" sz="3600" dirty="0" err="1" smtClean="0"/>
+              <a:t>Adaugare</a:t>
+            </a:r>
+            <a:r>
+              <a:rPr lang="en-US" sz="3600" dirty="0" smtClean="0"/>
+              <a:t> </a:t>
+            </a:r>
+            <a:r>
+              <a:rPr lang="en-US" sz="3600" dirty="0" err="1" smtClean="0"/>
+              <a:t>vehicul</a:t>
+            </a:r>
+            <a:r>
+              <a:rPr lang="en-US" sz="3600" dirty="0" smtClean="0"/>
+              <a:t> </a:t>
+            </a:r>
+            <a:r>
+              <a:rPr lang="en-US" sz="3600" dirty="0" err="1" smtClean="0"/>
+              <a:t>si</a:t>
+            </a:r>
+            <a:r>
+              <a:rPr lang="en-US" sz="3600" dirty="0" smtClean="0"/>
+              <a:t> </a:t>
+            </a:r>
+            <a:r>
+              <a:rPr lang="en-US" sz="3600" dirty="0" err="1" smtClean="0"/>
+              <a:t>scadent</a:t>
+            </a:r>
+            <a:endParaRPr lang="en-US" sz="3600" dirty="0"/>
+          </a:p>
+        </p:txBody>
+      </p:sp>
+      <p:pic>
+        <p:nvPicPr>
+          <p:cNvPr id="5122" name="Picture 2" descr="screencapture-carplanner-ro-carplannertest1-gmail-com-addvehicle-2019-06-21-15_10_58"/>
+          <p:cNvPicPr>
+            <a:picLocks noChangeAspect="1" noChangeArrowheads="1"/>
+          </p:cNvPicPr>
+          <p:nvPr/>
+        </p:nvPicPr>
+        <p:blipFill>
+          <a:blip r:embed="rId2">
+            <a:extLst>
+              <a:ext uri="{28A0092B-C50C-407E-A947-70E740481C1C}">
+                <a14:useLocalDpi xmlns:a14="http://schemas.microsoft.com/office/drawing/2010/main" val="0"/>
+              </a:ext>
+            </a:extLst>
+          </a:blip>
+          <a:srcRect/>
+          <a:stretch>
+            <a:fillRect/>
+          </a:stretch>
+        </p:blipFill>
+        <p:spPr bwMode="auto">
+          <a:xfrm>
+            <a:off x="484709" y="1318508"/>
+            <a:ext cx="4086715" cy="4824021"/>
+          </a:xfrm>
+          <a:prstGeom prst="rect">
+            <a:avLst/>
+          </a:prstGeom>
+          <a:noFill/>
+          <a:ln>
+            <a:noFill/>
+          </a:ln>
+          <a:extLst>
+            <a:ext uri="{909E8E84-426E-40DD-AFC4-6F175D3DCCD1}">
+              <a14:hiddenFill xmlns:a14="http://schemas.microsoft.com/office/drawing/2010/main">
+                <a:solidFill>
+                  <a:srgbClr val="FFFFFF"/>
+                </a:solidFill>
+              </a14:hiddenFill>
+            </a:ext>
+            <a:ext uri="{91240B29-F687-4F45-9708-019B960494DF}">
+              <a14:hiddenLine xmlns:a14="http://schemas.microsoft.com/office/drawing/2010/main" w="9525">
+                <a:solidFill>
+                  <a:srgbClr val="000000"/>
+                </a:solidFill>
+                <a:miter lim="800000"/>
+                <a:headEnd/>
+                <a:tailEnd/>
+              </a14:hiddenLine>
+            </a:ext>
+          </a:extLst>
+        </p:spPr>
+      </p:pic>
+      <p:pic>
+        <p:nvPicPr>
+          <p:cNvPr id="7" name="Picture 6"/>
+          <p:cNvPicPr/>
+          <p:nvPr/>
+        </p:nvPicPr>
+        <p:blipFill>
+          <a:blip r:embed="rId3"/>
+          <a:stretch>
+            <a:fillRect/>
+          </a:stretch>
+        </p:blipFill>
+        <p:spPr>
+          <a:xfrm>
+            <a:off x="5094514" y="1318509"/>
+            <a:ext cx="3072664" cy="2352153"/>
+          </a:xfrm>
+          <a:prstGeom prst="rect">
+            <a:avLst/>
+          </a:prstGeom>
+        </p:spPr>
+      </p:pic>
+      <p:pic>
+        <p:nvPicPr>
+          <p:cNvPr id="8" name="Picture 7"/>
+          <p:cNvPicPr/>
+          <p:nvPr/>
+        </p:nvPicPr>
+        <p:blipFill>
+          <a:blip r:embed="rId4"/>
+          <a:stretch>
+            <a:fillRect/>
+          </a:stretch>
+        </p:blipFill>
+        <p:spPr>
+          <a:xfrm>
+            <a:off x="5094514" y="3905795"/>
+            <a:ext cx="3082835" cy="2236736"/>
+          </a:xfrm>
+          <a:prstGeom prst="rect">
+            <a:avLst/>
+          </a:prstGeom>
+        </p:spPr>
+      </p:pic>
+    </p:spTree>
+    <p:extLst>
+      <p:ext uri="{BB962C8B-B14F-4D97-AF65-F5344CB8AC3E}">
+        <p14:creationId xmlns:p14="http://schemas.microsoft.com/office/powerpoint/2010/main" val="939876755"/>
+      </p:ext>
+    </p:extLst>
+  </p:cSld>
+  <p:clrMapOvr>
+    <a:masterClrMapping/>
+  </p:clrMapOvr>
+</p:sld>
+</file>
+
+<file path=ppt/slides/slide15.xml><?xml version="1.0" encoding="utf-8"?>
+<p:sld xmlns:a="http://schemas.openxmlformats.org/drawingml/2006/main" xmlns:r="http://schemas.openxmlformats.org/officeDocument/2006/relationships" xmlns:p="http://schemas.openxmlformats.org/presentationml/2006/main">
+  <p:cSld>
+    <p:spTree>
+      <p:nvGrpSpPr>
+        <p:cNvPr id="1" name=""/>
+        <p:cNvGrpSpPr/>
+        <p:nvPr/>
+      </p:nvGrpSpPr>
+      <p:grpSpPr>
+        <a:xfrm>
+          <a:off x="0" y="0"/>
+          <a:ext cx="0" cy="0"/>
+          <a:chOff x="0" y="0"/>
+          <a:chExt cx="0" cy="0"/>
+        </a:xfrm>
+      </p:grpSpPr>
+      <p:sp>
+        <p:nvSpPr>
+          <p:cNvPr id="2" name="Title 1"/>
+          <p:cNvSpPr>
+            <a:spLocks noGrp="1"/>
+          </p:cNvSpPr>
+          <p:nvPr>
+            <p:ph type="title"/>
+          </p:nvPr>
+        </p:nvSpPr>
+        <p:spPr/>
+        <p:txBody>
+          <a:bodyPr/>
+          <a:lstStyle/>
+          <a:p>
+            <a:r>
+              <a:rPr lang="en-US" dirty="0" err="1" smtClean="0"/>
+              <a:t>Stergere</a:t>
+            </a:r>
+            <a:r>
+              <a:rPr lang="en-US" dirty="0" smtClean="0"/>
+              <a:t> </a:t>
+            </a:r>
+            <a:r>
+              <a:rPr lang="en-US" dirty="0" err="1" smtClean="0"/>
+              <a:t>cont</a:t>
+            </a:r>
+            <a:endParaRPr lang="en-US" dirty="0"/>
+          </a:p>
+        </p:txBody>
+      </p:sp>
+      <p:pic>
+        <p:nvPicPr>
+          <p:cNvPr id="4" name="Picture 3"/>
+          <p:cNvPicPr/>
+          <p:nvPr/>
+        </p:nvPicPr>
+        <p:blipFill>
+          <a:blip r:embed="rId2"/>
+          <a:stretch>
+            <a:fillRect/>
+          </a:stretch>
+        </p:blipFill>
+        <p:spPr>
+          <a:xfrm>
+            <a:off x="805634" y="1853248"/>
+            <a:ext cx="7698286" cy="4133850"/>
+          </a:xfrm>
+          <a:prstGeom prst="rect">
+            <a:avLst/>
+          </a:prstGeom>
+        </p:spPr>
+      </p:pic>
+    </p:spTree>
+    <p:extLst>
+      <p:ext uri="{BB962C8B-B14F-4D97-AF65-F5344CB8AC3E}">
+        <p14:creationId xmlns:p14="http://schemas.microsoft.com/office/powerpoint/2010/main" val="1742778918"/>
+      </p:ext>
+    </p:extLst>
+  </p:cSld>
+  <p:clrMapOvr>
+    <a:masterClrMapping/>
+  </p:clrMapOvr>
+</p:sld>
+</file>
+
+<file path=ppt/slides/slide16.xml><?xml version="1.0" encoding="utf-8"?>
 <p:sld xmlns:a="http://schemas.openxmlformats.org/drawingml/2006/main" xmlns:r="http://schemas.openxmlformats.org/officeDocument/2006/relationships" xmlns:p="http://schemas.openxmlformats.org/presentationml/2006/main">
   <p:cSld>
     <p:spTree>
@@ -7737,6 +7652,1883 @@
     <p:extLst>
       <p:ext uri="{BB962C8B-B14F-4D97-AF65-F5344CB8AC3E}">
         <p14:creationId xmlns:p14="http://schemas.microsoft.com/office/powerpoint/2010/main" val="3534901510"/>
+      </p:ext>
+    </p:extLst>
+  </p:cSld>
+  <p:clrMapOvr>
+    <a:masterClrMapping/>
+  </p:clrMapOvr>
+  <p:timing>
+    <p:tnLst>
+      <p:par>
+        <p:cTn id="1" dur="indefinite" restart="never" nodeType="tmRoot"/>
+      </p:par>
+    </p:tnLst>
+  </p:timing>
+</p:sld>
+</file>
+
+<file path=ppt/slides/slide17.xml><?xml version="1.0" encoding="utf-8"?>
+<p:sld xmlns:a="http://schemas.openxmlformats.org/drawingml/2006/main" xmlns:r="http://schemas.openxmlformats.org/officeDocument/2006/relationships" xmlns:p="http://schemas.openxmlformats.org/presentationml/2006/main">
+  <p:cSld>
+    <p:spTree>
+      <p:nvGrpSpPr>
+        <p:cNvPr id="1" name=""/>
+        <p:cNvGrpSpPr/>
+        <p:nvPr/>
+      </p:nvGrpSpPr>
+      <p:grpSpPr>
+        <a:xfrm>
+          <a:off x="0" y="0"/>
+          <a:ext cx="0" cy="0"/>
+          <a:chOff x="0" y="0"/>
+          <a:chExt cx="0" cy="0"/>
+        </a:xfrm>
+      </p:grpSpPr>
+      <p:sp>
+        <p:nvSpPr>
+          <p:cNvPr id="2" name="Title 1"/>
+          <p:cNvSpPr>
+            <a:spLocks noGrp="1"/>
+          </p:cNvSpPr>
+          <p:nvPr>
+            <p:ph type="title"/>
+          </p:nvPr>
+        </p:nvSpPr>
+        <p:spPr/>
+        <p:txBody>
+          <a:bodyPr/>
+          <a:lstStyle/>
+          <a:p>
+            <a:r>
+              <a:rPr lang="en-US" dirty="0" err="1" smtClean="0"/>
+              <a:t>Dezvoltari</a:t>
+            </a:r>
+            <a:r>
+              <a:rPr lang="en-US" dirty="0" smtClean="0"/>
+              <a:t> </a:t>
+            </a:r>
+            <a:r>
+              <a:rPr lang="en-US" dirty="0" err="1" smtClean="0"/>
+              <a:t>ulterioare</a:t>
+            </a:r>
+            <a:endParaRPr lang="en-US" dirty="0"/>
+          </a:p>
+        </p:txBody>
+      </p:sp>
+      <p:sp>
+        <p:nvSpPr>
+          <p:cNvPr id="3" name="Content Placeholder 2"/>
+          <p:cNvSpPr>
+            <a:spLocks noGrp="1"/>
+          </p:cNvSpPr>
+          <p:nvPr>
+            <p:ph idx="1"/>
+          </p:nvPr>
+        </p:nvSpPr>
+        <p:spPr/>
+        <p:txBody>
+          <a:bodyPr/>
+          <a:lstStyle/>
+          <a:p>
+            <a:r>
+              <a:rPr lang="en-US" dirty="0" smtClean="0"/>
+              <a:t>Deploy in cloud</a:t>
+            </a:r>
+          </a:p>
+          <a:p>
+            <a:endParaRPr lang="en-US" dirty="0" smtClean="0"/>
+          </a:p>
+          <a:p>
+            <a:pPr marL="0" indent="0">
+              <a:buNone/>
+            </a:pPr>
+            <a:endParaRPr lang="en-US" dirty="0" smtClean="0"/>
+          </a:p>
+          <a:p>
+            <a:r>
+              <a:rPr lang="en-US" dirty="0" err="1" smtClean="0"/>
+              <a:t>Replicare</a:t>
+            </a:r>
+            <a:r>
+              <a:rPr lang="en-US" dirty="0" smtClean="0"/>
+              <a:t> </a:t>
+            </a:r>
+            <a:r>
+              <a:rPr lang="en-US" dirty="0" err="1" smtClean="0"/>
+              <a:t>baza</a:t>
+            </a:r>
+            <a:r>
+              <a:rPr lang="en-US" dirty="0" smtClean="0"/>
+              <a:t> de date</a:t>
+            </a:r>
+          </a:p>
+          <a:p>
+            <a:r>
+              <a:rPr lang="en-US" dirty="0" err="1"/>
+              <a:t>Notificari</a:t>
+            </a:r>
+            <a:r>
+              <a:rPr lang="en-US" dirty="0"/>
+              <a:t> SMS, nu </a:t>
+            </a:r>
+            <a:r>
+              <a:rPr lang="en-US" dirty="0" err="1"/>
+              <a:t>doar</a:t>
+            </a:r>
+            <a:r>
+              <a:rPr lang="en-US" dirty="0"/>
+              <a:t> </a:t>
+            </a:r>
+            <a:r>
+              <a:rPr lang="en-US" dirty="0" smtClean="0"/>
+              <a:t>email</a:t>
+            </a:r>
+          </a:p>
+          <a:p>
+            <a:r>
+              <a:rPr lang="en-US" dirty="0" err="1" smtClean="0"/>
+              <a:t>Adaugarea</a:t>
+            </a:r>
+            <a:r>
+              <a:rPr lang="en-US" dirty="0" smtClean="0"/>
+              <a:t> </a:t>
+            </a:r>
+            <a:r>
+              <a:rPr lang="en-US" dirty="0" err="1" smtClean="0"/>
+              <a:t>tuturor</a:t>
+            </a:r>
+            <a:r>
+              <a:rPr lang="en-US" dirty="0" smtClean="0"/>
+              <a:t> </a:t>
+            </a:r>
+            <a:r>
+              <a:rPr lang="en-US" dirty="0" err="1" smtClean="0"/>
+              <a:t>reviziilor</a:t>
+            </a:r>
+            <a:r>
+              <a:rPr lang="en-US" dirty="0" smtClean="0"/>
+              <a:t> </a:t>
+            </a:r>
+            <a:r>
+              <a:rPr lang="en-US" dirty="0" err="1" smtClean="0"/>
+              <a:t>recomandate</a:t>
+            </a:r>
+            <a:r>
+              <a:rPr lang="en-US" dirty="0" smtClean="0"/>
+              <a:t> de </a:t>
+            </a:r>
+            <a:r>
+              <a:rPr lang="en-US" dirty="0" err="1" smtClean="0"/>
+              <a:t>producator</a:t>
+            </a:r>
+            <a:r>
+              <a:rPr lang="en-US" dirty="0" smtClean="0"/>
+              <a:t> </a:t>
+            </a:r>
+            <a:r>
+              <a:rPr lang="en-US" dirty="0" err="1" smtClean="0"/>
+              <a:t>pentru</a:t>
+            </a:r>
+            <a:r>
+              <a:rPr lang="en-US" dirty="0" smtClean="0"/>
+              <a:t> </a:t>
+            </a:r>
+            <a:r>
+              <a:rPr lang="en-US" dirty="0" err="1" smtClean="0"/>
+              <a:t>fiecare</a:t>
+            </a:r>
+            <a:r>
+              <a:rPr lang="en-US" dirty="0" smtClean="0"/>
+              <a:t> model</a:t>
+            </a:r>
+          </a:p>
+          <a:p>
+            <a:r>
+              <a:rPr lang="en-US" dirty="0" err="1" smtClean="0"/>
+              <a:t>Utilizatorul</a:t>
+            </a:r>
+            <a:r>
+              <a:rPr lang="en-US" dirty="0" smtClean="0"/>
+              <a:t> </a:t>
+            </a:r>
+            <a:r>
+              <a:rPr lang="en-US" dirty="0" err="1" smtClean="0"/>
+              <a:t>sa</a:t>
+            </a:r>
+            <a:r>
+              <a:rPr lang="en-US" dirty="0" smtClean="0"/>
+              <a:t> </a:t>
+            </a:r>
+            <a:r>
+              <a:rPr lang="en-US" dirty="0" err="1" smtClean="0"/>
+              <a:t>poata</a:t>
+            </a:r>
+            <a:r>
+              <a:rPr lang="en-US" dirty="0" smtClean="0"/>
+              <a:t> </a:t>
+            </a:r>
+            <a:r>
+              <a:rPr lang="en-US" dirty="0" err="1" smtClean="0"/>
+              <a:t>alege</a:t>
+            </a:r>
+            <a:r>
+              <a:rPr lang="en-US" dirty="0" smtClean="0"/>
+              <a:t> </a:t>
+            </a:r>
+            <a:r>
+              <a:rPr lang="en-US" dirty="0" err="1" smtClean="0"/>
+              <a:t>pentru</a:t>
+            </a:r>
+            <a:r>
+              <a:rPr lang="en-US" dirty="0" smtClean="0"/>
+              <a:t> care </a:t>
+            </a:r>
+            <a:r>
+              <a:rPr lang="en-US" dirty="0" err="1" smtClean="0"/>
+              <a:t>vehicule</a:t>
+            </a:r>
+            <a:r>
+              <a:rPr lang="en-US" dirty="0" smtClean="0"/>
+              <a:t> </a:t>
+            </a:r>
+            <a:r>
+              <a:rPr lang="en-US" dirty="0" err="1" smtClean="0"/>
+              <a:t>sa</a:t>
+            </a:r>
+            <a:r>
+              <a:rPr lang="en-US" dirty="0" smtClean="0"/>
+              <a:t> </a:t>
+            </a:r>
+            <a:r>
+              <a:rPr lang="en-US" dirty="0" err="1" smtClean="0"/>
+              <a:t>primeasca</a:t>
+            </a:r>
+            <a:r>
+              <a:rPr lang="en-US" dirty="0" smtClean="0"/>
+              <a:t> </a:t>
+            </a:r>
+            <a:r>
+              <a:rPr lang="en-US" dirty="0" err="1" smtClean="0"/>
+              <a:t>notificari</a:t>
+            </a:r>
+            <a:endParaRPr lang="en-US" dirty="0" smtClean="0"/>
+          </a:p>
+          <a:p>
+            <a:r>
+              <a:rPr lang="en-US" dirty="0" smtClean="0"/>
+              <a:t>Newsletter</a:t>
+            </a:r>
+          </a:p>
+        </p:txBody>
+      </p:sp>
+      <p:pic>
+        <p:nvPicPr>
+          <p:cNvPr id="6146" name="Picture 2" descr="NodesDiagram"/>
+          <p:cNvPicPr>
+            <a:picLocks noChangeAspect="1" noChangeArrowheads="1"/>
+          </p:cNvPicPr>
+          <p:nvPr/>
+        </p:nvPicPr>
+        <p:blipFill>
+          <a:blip r:embed="rId2">
+            <a:extLst>
+              <a:ext uri="{28A0092B-C50C-407E-A947-70E740481C1C}">
+                <a14:useLocalDpi xmlns:a14="http://schemas.microsoft.com/office/drawing/2010/main" val="0"/>
+              </a:ext>
+            </a:extLst>
+          </a:blip>
+          <a:srcRect/>
+          <a:stretch>
+            <a:fillRect/>
+          </a:stretch>
+        </p:blipFill>
+        <p:spPr bwMode="auto">
+          <a:xfrm>
+            <a:off x="3646640" y="1152983"/>
+            <a:ext cx="3219450" cy="2076450"/>
+          </a:xfrm>
+          <a:prstGeom prst="rect">
+            <a:avLst/>
+          </a:prstGeom>
+          <a:noFill/>
+          <a:ln>
+            <a:noFill/>
+          </a:ln>
+          <a:extLst>
+            <a:ext uri="{909E8E84-426E-40DD-AFC4-6F175D3DCCD1}">
+              <a14:hiddenFill xmlns:a14="http://schemas.microsoft.com/office/drawing/2010/main">
+                <a:solidFill>
+                  <a:srgbClr val="FFFFFF"/>
+                </a:solidFill>
+              </a14:hiddenFill>
+            </a:ext>
+            <a:ext uri="{91240B29-F687-4F45-9708-019B960494DF}">
+              <a14:hiddenLine xmlns:a14="http://schemas.microsoft.com/office/drawing/2010/main" w="9525">
+                <a:solidFill>
+                  <a:srgbClr val="000000"/>
+                </a:solidFill>
+                <a:miter lim="800000"/>
+                <a:headEnd/>
+                <a:tailEnd/>
+              </a14:hiddenLine>
+            </a:ext>
+          </a:extLst>
+        </p:spPr>
+      </p:pic>
+    </p:spTree>
+    <p:extLst>
+      <p:ext uri="{BB962C8B-B14F-4D97-AF65-F5344CB8AC3E}">
+        <p14:creationId xmlns:p14="http://schemas.microsoft.com/office/powerpoint/2010/main" val="3577093304"/>
+      </p:ext>
+    </p:extLst>
+  </p:cSld>
+  <p:clrMapOvr>
+    <a:masterClrMapping/>
+  </p:clrMapOvr>
+  <p:timing>
+    <p:tnLst>
+      <p:par>
+        <p:cTn id="1" dur="indefinite" restart="never" nodeType="tmRoot"/>
+      </p:par>
+    </p:tnLst>
+  </p:timing>
+</p:sld>
+</file>
+
+<file path=ppt/slides/slide2.xml><?xml version="1.0" encoding="utf-8"?>
+<p:sld xmlns:a="http://schemas.openxmlformats.org/drawingml/2006/main" xmlns:r="http://schemas.openxmlformats.org/officeDocument/2006/relationships" xmlns:p="http://schemas.openxmlformats.org/presentationml/2006/main">
+  <p:cSld>
+    <p:spTree>
+      <p:nvGrpSpPr>
+        <p:cNvPr id="1" name=""/>
+        <p:cNvGrpSpPr/>
+        <p:nvPr/>
+      </p:nvGrpSpPr>
+      <p:grpSpPr>
+        <a:xfrm>
+          <a:off x="0" y="0"/>
+          <a:ext cx="0" cy="0"/>
+          <a:chOff x="0" y="0"/>
+          <a:chExt cx="0" cy="0"/>
+        </a:xfrm>
+      </p:grpSpPr>
+      <p:sp>
+        <p:nvSpPr>
+          <p:cNvPr id="2" name="Title 1"/>
+          <p:cNvSpPr>
+            <a:spLocks noGrp="1"/>
+          </p:cNvSpPr>
+          <p:nvPr>
+            <p:ph type="title"/>
+          </p:nvPr>
+        </p:nvSpPr>
+        <p:spPr/>
+        <p:txBody>
+          <a:bodyPr/>
+          <a:lstStyle/>
+          <a:p>
+            <a:r>
+              <a:rPr lang="en-US" dirty="0" smtClean="0"/>
+              <a:t>Context</a:t>
+            </a:r>
+            <a:endParaRPr lang="en-US" dirty="0"/>
+          </a:p>
+        </p:txBody>
+      </p:sp>
+      <p:sp>
+        <p:nvSpPr>
+          <p:cNvPr id="3" name="Content Placeholder 2"/>
+          <p:cNvSpPr>
+            <a:spLocks noGrp="1"/>
+          </p:cNvSpPr>
+          <p:nvPr>
+            <p:ph idx="1"/>
+          </p:nvPr>
+        </p:nvSpPr>
+        <p:spPr>
+          <a:xfrm>
+            <a:off x="559220" y="1737361"/>
+            <a:ext cx="6980134" cy="4511046"/>
+          </a:xfrm>
+        </p:spPr>
+        <p:txBody>
+          <a:bodyPr>
+            <a:noAutofit/>
+          </a:bodyPr>
+          <a:lstStyle/>
+          <a:p>
+            <a:r>
+              <a:rPr lang="en-US" sz="2800" dirty="0" err="1"/>
+              <a:t>Multe</a:t>
+            </a:r>
+            <a:r>
+              <a:rPr lang="en-US" sz="2800" dirty="0"/>
+              <a:t> </a:t>
+            </a:r>
+            <a:r>
+              <a:rPr lang="en-US" sz="2800" dirty="0" err="1"/>
+              <a:t>lucruri</a:t>
+            </a:r>
+            <a:r>
+              <a:rPr lang="en-US" sz="2800" dirty="0"/>
+              <a:t> de </a:t>
+            </a:r>
+            <a:r>
+              <a:rPr lang="en-US" sz="2800" dirty="0" err="1"/>
+              <a:t>tinut</a:t>
+            </a:r>
+            <a:r>
+              <a:rPr lang="en-US" sz="2800" dirty="0"/>
+              <a:t> </a:t>
+            </a:r>
+            <a:r>
+              <a:rPr lang="en-US" sz="2800" dirty="0" err="1"/>
+              <a:t>minte</a:t>
+            </a:r>
+            <a:endParaRPr lang="en-US" sz="2800" dirty="0"/>
+          </a:p>
+          <a:p>
+            <a:pPr marL="0" indent="0">
+              <a:buNone/>
+            </a:pPr>
+            <a:endParaRPr lang="en-US" sz="2800" dirty="0"/>
+          </a:p>
+          <a:p>
+            <a:r>
+              <a:rPr lang="en-US" sz="2800" dirty="0" err="1"/>
+              <a:t>Intretinerea</a:t>
+            </a:r>
+            <a:r>
+              <a:rPr lang="en-US" sz="2800" dirty="0"/>
+              <a:t> </a:t>
+            </a:r>
+            <a:r>
+              <a:rPr lang="en-US" sz="2800" dirty="0" err="1"/>
+              <a:t>si</a:t>
+            </a:r>
+            <a:r>
+              <a:rPr lang="en-US" sz="2800" dirty="0"/>
+              <a:t> </a:t>
+            </a:r>
+            <a:r>
+              <a:rPr lang="en-US" sz="2800" dirty="0" err="1"/>
+              <a:t>documentele</a:t>
+            </a:r>
+            <a:r>
+              <a:rPr lang="en-US" sz="2800" dirty="0"/>
+              <a:t> </a:t>
+            </a:r>
+            <a:r>
+              <a:rPr lang="en-US" sz="2800" dirty="0" err="1"/>
+              <a:t>masinii</a:t>
+            </a:r>
+            <a:r>
+              <a:rPr lang="en-US" sz="2800" dirty="0"/>
+              <a:t> </a:t>
+            </a:r>
+            <a:r>
+              <a:rPr lang="en-US" sz="2800" dirty="0" err="1"/>
+              <a:t>sunt</a:t>
+            </a:r>
+            <a:r>
+              <a:rPr lang="en-US" sz="2800" dirty="0"/>
+              <a:t> </a:t>
+            </a:r>
+            <a:r>
+              <a:rPr lang="en-US" sz="2800" dirty="0" err="1"/>
+              <a:t>neglijate</a:t>
+            </a:r>
+            <a:endParaRPr lang="en-US" sz="2800" dirty="0"/>
+          </a:p>
+          <a:p>
+            <a:endParaRPr lang="en-US" sz="2800" dirty="0"/>
+          </a:p>
+          <a:p>
+            <a:r>
+              <a:rPr lang="en-US" sz="2800" dirty="0" err="1" smtClean="0"/>
+              <a:t>Numeroase</a:t>
+            </a:r>
+            <a:r>
+              <a:rPr lang="en-US" sz="2800" dirty="0" smtClean="0"/>
+              <a:t> </a:t>
+            </a:r>
+            <a:r>
+              <a:rPr lang="en-US" sz="2800" dirty="0" err="1" smtClean="0"/>
+              <a:t>amenzi</a:t>
+            </a:r>
+            <a:r>
+              <a:rPr lang="en-US" sz="2800" dirty="0" smtClean="0"/>
+              <a:t> </a:t>
+            </a:r>
+            <a:r>
+              <a:rPr lang="en-US" sz="2800" dirty="0" err="1" smtClean="0"/>
+              <a:t>pentru</a:t>
+            </a:r>
+            <a:r>
+              <a:rPr lang="en-US" sz="2800" dirty="0" smtClean="0"/>
+              <a:t> </a:t>
+            </a:r>
+            <a:r>
+              <a:rPr lang="en-US" sz="2800" dirty="0" err="1" smtClean="0"/>
+              <a:t>documente</a:t>
+            </a:r>
+            <a:r>
+              <a:rPr lang="en-US" sz="2800" dirty="0" smtClean="0"/>
+              <a:t> </a:t>
+            </a:r>
+            <a:r>
+              <a:rPr lang="en-US" sz="2800" dirty="0" err="1" smtClean="0"/>
+              <a:t>expirate</a:t>
+            </a:r>
+            <a:r>
+              <a:rPr lang="en-US" sz="2800" dirty="0" smtClean="0"/>
+              <a:t> </a:t>
+            </a:r>
+            <a:r>
+              <a:rPr lang="en-US" sz="2800" dirty="0" err="1" smtClean="0"/>
+              <a:t>sunt</a:t>
+            </a:r>
+            <a:r>
+              <a:rPr lang="en-US" sz="2800" dirty="0" smtClean="0"/>
+              <a:t> din </a:t>
+            </a:r>
+            <a:r>
+              <a:rPr lang="en-US" sz="2800" dirty="0" err="1" smtClean="0"/>
+              <a:t>uitare</a:t>
+            </a:r>
+            <a:endParaRPr lang="en-US" sz="2800" dirty="0"/>
+          </a:p>
+          <a:p>
+            <a:endParaRPr lang="en-US" sz="2800" dirty="0"/>
+          </a:p>
+        </p:txBody>
+      </p:sp>
+    </p:spTree>
+    <p:extLst>
+      <p:ext uri="{BB962C8B-B14F-4D97-AF65-F5344CB8AC3E}">
+        <p14:creationId xmlns:p14="http://schemas.microsoft.com/office/powerpoint/2010/main" val="3949847012"/>
+      </p:ext>
+    </p:extLst>
+  </p:cSld>
+  <p:clrMapOvr>
+    <a:masterClrMapping/>
+  </p:clrMapOvr>
+  <p:timing>
+    <p:tnLst>
+      <p:par>
+        <p:cTn id="1" dur="indefinite" restart="never" nodeType="tmRoot"/>
+      </p:par>
+    </p:tnLst>
+  </p:timing>
+</p:sld>
+</file>
+
+<file path=ppt/slides/slide3.xml><?xml version="1.0" encoding="utf-8"?>
+<p:sld xmlns:a="http://schemas.openxmlformats.org/drawingml/2006/main" xmlns:r="http://schemas.openxmlformats.org/officeDocument/2006/relationships" xmlns:p="http://schemas.openxmlformats.org/presentationml/2006/main">
+  <p:cSld>
+    <p:spTree>
+      <p:nvGrpSpPr>
+        <p:cNvPr id="1" name=""/>
+        <p:cNvGrpSpPr/>
+        <p:nvPr/>
+      </p:nvGrpSpPr>
+      <p:grpSpPr>
+        <a:xfrm>
+          <a:off x="0" y="0"/>
+          <a:ext cx="0" cy="0"/>
+          <a:chOff x="0" y="0"/>
+          <a:chExt cx="0" cy="0"/>
+        </a:xfrm>
+      </p:grpSpPr>
+      <p:sp>
+        <p:nvSpPr>
+          <p:cNvPr id="2" name="Title 1"/>
+          <p:cNvSpPr>
+            <a:spLocks noGrp="1"/>
+          </p:cNvSpPr>
+          <p:nvPr>
+            <p:ph type="title"/>
+          </p:nvPr>
+        </p:nvSpPr>
+        <p:spPr/>
+        <p:txBody>
+          <a:bodyPr/>
+          <a:lstStyle/>
+          <a:p>
+            <a:r>
+              <a:rPr lang="en-US" dirty="0" err="1" smtClean="0"/>
+              <a:t>Scopul</a:t>
+            </a:r>
+            <a:r>
+              <a:rPr lang="en-US" dirty="0" smtClean="0"/>
+              <a:t> </a:t>
+            </a:r>
+            <a:r>
+              <a:rPr lang="en-US" dirty="0" err="1" smtClean="0"/>
+              <a:t>proiectului</a:t>
+            </a:r>
+            <a:endParaRPr lang="en-US" dirty="0"/>
+          </a:p>
+        </p:txBody>
+      </p:sp>
+      <p:sp>
+        <p:nvSpPr>
+          <p:cNvPr id="3" name="Content Placeholder 2"/>
+          <p:cNvSpPr>
+            <a:spLocks noGrp="1"/>
+          </p:cNvSpPr>
+          <p:nvPr>
+            <p:ph idx="1"/>
+          </p:nvPr>
+        </p:nvSpPr>
+        <p:spPr>
+          <a:xfrm>
+            <a:off x="827699" y="2063931"/>
+            <a:ext cx="7362711" cy="4184476"/>
+          </a:xfrm>
+        </p:spPr>
+        <p:txBody>
+          <a:bodyPr>
+            <a:normAutofit/>
+          </a:bodyPr>
+          <a:lstStyle/>
+          <a:p>
+            <a:r>
+              <a:rPr lang="en-US" sz="2800" dirty="0" err="1"/>
+              <a:t>G</a:t>
+            </a:r>
+            <a:r>
+              <a:rPr lang="en-US" sz="2800" dirty="0" err="1" smtClean="0"/>
+              <a:t>estionarea</a:t>
+            </a:r>
+            <a:r>
+              <a:rPr lang="en-US" sz="2800" dirty="0" smtClean="0"/>
+              <a:t> </a:t>
+            </a:r>
+            <a:r>
+              <a:rPr lang="en-US" sz="2800" dirty="0" err="1" smtClean="0"/>
+              <a:t>documentelor</a:t>
+            </a:r>
+            <a:r>
+              <a:rPr lang="en-US" sz="2800" dirty="0" smtClean="0"/>
+              <a:t> </a:t>
+            </a:r>
+            <a:r>
+              <a:rPr lang="en-US" sz="2800" dirty="0" err="1" smtClean="0"/>
+              <a:t>vehiculelor</a:t>
+            </a:r>
+            <a:endParaRPr lang="en-US" sz="2800" dirty="0" smtClean="0"/>
+          </a:p>
+          <a:p>
+            <a:endParaRPr lang="en-US" sz="2800" dirty="0" smtClean="0"/>
+          </a:p>
+          <a:p>
+            <a:r>
+              <a:rPr lang="en-US" sz="2800" dirty="0" err="1" smtClean="0"/>
+              <a:t>Gestionarea</a:t>
+            </a:r>
+            <a:r>
+              <a:rPr lang="en-US" sz="2800" dirty="0" smtClean="0"/>
+              <a:t> </a:t>
+            </a:r>
+            <a:r>
+              <a:rPr lang="en-US" sz="2800" dirty="0" err="1" smtClean="0"/>
+              <a:t>reviziilor</a:t>
+            </a:r>
+            <a:r>
+              <a:rPr lang="en-US" sz="2800" dirty="0" smtClean="0"/>
+              <a:t> </a:t>
+            </a:r>
+            <a:r>
+              <a:rPr lang="en-US" sz="2800" dirty="0" err="1" smtClean="0"/>
+              <a:t>vehiculelor</a:t>
+            </a:r>
+            <a:endParaRPr lang="en-US" sz="2800" dirty="0" smtClean="0"/>
+          </a:p>
+          <a:p>
+            <a:endParaRPr lang="en-US" sz="2800" dirty="0" smtClean="0"/>
+          </a:p>
+          <a:p>
+            <a:r>
+              <a:rPr lang="en-US" sz="2800" dirty="0" err="1" smtClean="0"/>
+              <a:t>Prelungirea</a:t>
+            </a:r>
+            <a:r>
+              <a:rPr lang="en-US" sz="2800" dirty="0" smtClean="0"/>
+              <a:t> </a:t>
+            </a:r>
+            <a:r>
+              <a:rPr lang="en-US" sz="2800" dirty="0" err="1" smtClean="0"/>
+              <a:t>duratei</a:t>
+            </a:r>
+            <a:r>
+              <a:rPr lang="en-US" sz="2800" dirty="0" smtClean="0"/>
+              <a:t> de </a:t>
+            </a:r>
+            <a:r>
+              <a:rPr lang="en-US" sz="2800" dirty="0" err="1" smtClean="0"/>
+              <a:t>viata</a:t>
+            </a:r>
+            <a:r>
+              <a:rPr lang="en-US" sz="2800" dirty="0" smtClean="0"/>
+              <a:t> a </a:t>
+            </a:r>
+            <a:r>
+              <a:rPr lang="en-US" sz="2800" dirty="0" err="1" smtClean="0"/>
+              <a:t>vehiculelor</a:t>
+            </a:r>
+            <a:endParaRPr lang="en-US" sz="2800" dirty="0"/>
+          </a:p>
+          <a:p>
+            <a:endParaRPr lang="en-US" sz="2800" dirty="0" smtClean="0"/>
+          </a:p>
+          <a:p>
+            <a:endParaRPr lang="en-US" sz="2800" dirty="0"/>
+          </a:p>
+        </p:txBody>
+      </p:sp>
+    </p:spTree>
+    <p:extLst>
+      <p:ext uri="{BB962C8B-B14F-4D97-AF65-F5344CB8AC3E}">
+        <p14:creationId xmlns:p14="http://schemas.microsoft.com/office/powerpoint/2010/main" val="1155746274"/>
+      </p:ext>
+    </p:extLst>
+  </p:cSld>
+  <p:clrMapOvr>
+    <a:masterClrMapping/>
+  </p:clrMapOvr>
+  <p:timing>
+    <p:tnLst>
+      <p:par>
+        <p:cTn id="1" dur="indefinite" restart="never" nodeType="tmRoot"/>
+      </p:par>
+    </p:tnLst>
+  </p:timing>
+</p:sld>
+</file>
+
+<file path=ppt/slides/slide4.xml><?xml version="1.0" encoding="utf-8"?>
+<p:sld xmlns:a="http://schemas.openxmlformats.org/drawingml/2006/main" xmlns:r="http://schemas.openxmlformats.org/officeDocument/2006/relationships" xmlns:p="http://schemas.openxmlformats.org/presentationml/2006/main">
+  <p:cSld>
+    <p:spTree>
+      <p:nvGrpSpPr>
+        <p:cNvPr id="1" name=""/>
+        <p:cNvGrpSpPr/>
+        <p:nvPr/>
+      </p:nvGrpSpPr>
+      <p:grpSpPr>
+        <a:xfrm>
+          <a:off x="0" y="0"/>
+          <a:ext cx="0" cy="0"/>
+          <a:chOff x="0" y="0"/>
+          <a:chExt cx="0" cy="0"/>
+        </a:xfrm>
+      </p:grpSpPr>
+      <p:sp>
+        <p:nvSpPr>
+          <p:cNvPr id="2" name="Title 1"/>
+          <p:cNvSpPr>
+            <a:spLocks noGrp="1"/>
+          </p:cNvSpPr>
+          <p:nvPr>
+            <p:ph type="title"/>
+          </p:nvPr>
+        </p:nvSpPr>
+        <p:spPr/>
+        <p:txBody>
+          <a:bodyPr/>
+          <a:lstStyle/>
+          <a:p>
+            <a:r>
+              <a:rPr lang="en-US" dirty="0" err="1" smtClean="0"/>
+              <a:t>Studiu</a:t>
+            </a:r>
+            <a:r>
+              <a:rPr lang="en-US" dirty="0" smtClean="0"/>
+              <a:t> de </a:t>
+            </a:r>
+            <a:r>
+              <a:rPr lang="en-US" dirty="0" err="1" smtClean="0"/>
+              <a:t>piata</a:t>
+            </a:r>
+            <a:endParaRPr lang="en-US" dirty="0"/>
+          </a:p>
+        </p:txBody>
+      </p:sp>
+      <p:sp>
+        <p:nvSpPr>
+          <p:cNvPr id="3" name="Content Placeholder 2"/>
+          <p:cNvSpPr>
+            <a:spLocks noGrp="1"/>
+          </p:cNvSpPr>
+          <p:nvPr>
+            <p:ph idx="1"/>
+          </p:nvPr>
+        </p:nvSpPr>
+        <p:spPr/>
+        <p:txBody>
+          <a:bodyPr>
+            <a:normAutofit/>
+          </a:bodyPr>
+          <a:lstStyle/>
+          <a:p>
+            <a:r>
+              <a:rPr lang="en-US" sz="2400" dirty="0" err="1" smtClean="0"/>
+              <a:t>MyCar</a:t>
+            </a:r>
+            <a:r>
+              <a:rPr lang="en-US" sz="2400" dirty="0" smtClean="0"/>
+              <a:t> Assistant</a:t>
+            </a:r>
+          </a:p>
+          <a:p>
+            <a:pPr lvl="1"/>
+            <a:r>
+              <a:rPr lang="en-US" sz="2000" dirty="0" err="1" smtClean="0"/>
+              <a:t>Atat</a:t>
+            </a:r>
+            <a:r>
+              <a:rPr lang="en-US" sz="2000" dirty="0" smtClean="0"/>
+              <a:t> Web cat </a:t>
+            </a:r>
+            <a:r>
+              <a:rPr lang="en-US" sz="2000" dirty="0" err="1" smtClean="0"/>
+              <a:t>si</a:t>
+            </a:r>
+            <a:r>
+              <a:rPr lang="en-US" sz="2000" dirty="0" smtClean="0"/>
+              <a:t> Mobile</a:t>
+            </a:r>
+          </a:p>
+          <a:p>
+            <a:pPr lvl="1"/>
+            <a:r>
+              <a:rPr lang="en-US" sz="2000" dirty="0" err="1" smtClean="0"/>
+              <a:t>Accesibil</a:t>
+            </a:r>
+            <a:r>
+              <a:rPr lang="en-US" sz="2000" dirty="0" smtClean="0"/>
+              <a:t> ca </a:t>
+            </a:r>
+            <a:r>
+              <a:rPr lang="en-US" sz="2000" dirty="0" err="1" smtClean="0"/>
+              <a:t>pret</a:t>
+            </a:r>
+            <a:r>
+              <a:rPr lang="en-US" sz="2000" dirty="0" smtClean="0"/>
+              <a:t> </a:t>
+            </a:r>
+            <a:r>
+              <a:rPr lang="en-US" sz="2000" dirty="0" err="1" smtClean="0"/>
+              <a:t>pentru</a:t>
+            </a:r>
+            <a:r>
+              <a:rPr lang="en-US" sz="2000" dirty="0" smtClean="0"/>
+              <a:t> </a:t>
+            </a:r>
+            <a:r>
+              <a:rPr lang="en-US" sz="2000" dirty="0" err="1" smtClean="0"/>
+              <a:t>proprietarii</a:t>
+            </a:r>
+            <a:r>
+              <a:rPr lang="en-US" sz="2000" dirty="0" smtClean="0"/>
+              <a:t> de </a:t>
+            </a:r>
+            <a:r>
+              <a:rPr lang="en-US" sz="2000" dirty="0" err="1" smtClean="0"/>
+              <a:t>masini</a:t>
+            </a:r>
+            <a:endParaRPr lang="en-US" sz="2000" dirty="0" smtClean="0"/>
+          </a:p>
+          <a:p>
+            <a:pPr lvl="1"/>
+            <a:r>
+              <a:rPr lang="en-US" sz="2000" dirty="0" smtClean="0"/>
+              <a:t>Nu se pot </a:t>
+            </a:r>
+            <a:r>
+              <a:rPr lang="en-US" sz="2000" dirty="0" err="1" smtClean="0"/>
+              <a:t>adauga</a:t>
+            </a:r>
+            <a:r>
+              <a:rPr lang="en-US" sz="2000" dirty="0" smtClean="0"/>
+              <a:t> </a:t>
+            </a:r>
+            <a:r>
+              <a:rPr lang="en-US" sz="2000" dirty="0" err="1" smtClean="0"/>
+              <a:t>scadente</a:t>
+            </a:r>
+            <a:r>
+              <a:rPr lang="en-US" sz="2000" dirty="0" smtClean="0"/>
+              <a:t> </a:t>
+            </a:r>
+            <a:r>
+              <a:rPr lang="en-US" sz="2000" dirty="0" err="1" smtClean="0"/>
+              <a:t>particulare</a:t>
+            </a:r>
+            <a:endParaRPr lang="en-US" sz="2000" dirty="0" smtClean="0"/>
+          </a:p>
+          <a:p>
+            <a:pPr lvl="1"/>
+            <a:endParaRPr lang="en-US" sz="2000" dirty="0" smtClean="0"/>
+          </a:p>
+          <a:p>
+            <a:r>
+              <a:rPr lang="en-US" sz="2400" dirty="0" err="1" smtClean="0"/>
+              <a:t>AutoMinder</a:t>
+            </a:r>
+            <a:endParaRPr lang="en-US" sz="2400" dirty="0" smtClean="0"/>
+          </a:p>
+          <a:p>
+            <a:pPr lvl="1"/>
+            <a:r>
+              <a:rPr lang="en-US" sz="2000" dirty="0" err="1" smtClean="0"/>
+              <a:t>Orientata</a:t>
+            </a:r>
+            <a:r>
+              <a:rPr lang="en-US" sz="2000" dirty="0" smtClean="0"/>
+              <a:t> </a:t>
+            </a:r>
+            <a:r>
+              <a:rPr lang="en-US" sz="2000" dirty="0" err="1" smtClean="0"/>
+              <a:t>spre</a:t>
+            </a:r>
+            <a:r>
+              <a:rPr lang="en-US" sz="2000" dirty="0" smtClean="0"/>
+              <a:t> </a:t>
+            </a:r>
+            <a:r>
+              <a:rPr lang="en-US" sz="2000" dirty="0" err="1" smtClean="0"/>
+              <a:t>companiile</a:t>
+            </a:r>
+            <a:r>
+              <a:rPr lang="en-US" sz="2000" dirty="0" smtClean="0"/>
+              <a:t> </a:t>
+            </a:r>
+            <a:r>
+              <a:rPr lang="en-US" sz="2000" dirty="0" err="1" smtClean="0"/>
+              <a:t>mari</a:t>
+            </a:r>
+            <a:endParaRPr lang="en-US" sz="2000" dirty="0" smtClean="0"/>
+          </a:p>
+          <a:p>
+            <a:pPr lvl="1"/>
+            <a:r>
+              <a:rPr lang="en-US" sz="2000" dirty="0" err="1" smtClean="0"/>
+              <a:t>Foarte</a:t>
+            </a:r>
+            <a:r>
+              <a:rPr lang="en-US" sz="2000" dirty="0" smtClean="0"/>
+              <a:t> </a:t>
+            </a:r>
+            <a:r>
+              <a:rPr lang="en-US" sz="2000" dirty="0" err="1" smtClean="0"/>
+              <a:t>complexa</a:t>
+            </a:r>
+            <a:r>
+              <a:rPr lang="en-US" sz="2000" dirty="0" smtClean="0"/>
+              <a:t>, </a:t>
+            </a:r>
+            <a:r>
+              <a:rPr lang="en-US" sz="2000" dirty="0" err="1" smtClean="0"/>
+              <a:t>dar</a:t>
+            </a:r>
+            <a:r>
+              <a:rPr lang="en-US" sz="2000" dirty="0" smtClean="0"/>
+              <a:t> </a:t>
+            </a:r>
+            <a:r>
+              <a:rPr lang="en-US" sz="2000" dirty="0" err="1" smtClean="0"/>
+              <a:t>preturi</a:t>
+            </a:r>
+            <a:r>
+              <a:rPr lang="en-US" sz="2000" dirty="0" smtClean="0"/>
+              <a:t> </a:t>
+            </a:r>
+            <a:r>
+              <a:rPr lang="en-US" sz="2000" dirty="0" err="1" smtClean="0"/>
+              <a:t>destul</a:t>
+            </a:r>
+            <a:r>
+              <a:rPr lang="en-US" sz="2000" dirty="0" smtClean="0"/>
+              <a:t> de </a:t>
+            </a:r>
+            <a:r>
+              <a:rPr lang="en-US" sz="2000" dirty="0" err="1" smtClean="0"/>
+              <a:t>mari</a:t>
+            </a:r>
+            <a:endParaRPr lang="en-US" sz="2000" dirty="0" smtClean="0"/>
+          </a:p>
+        </p:txBody>
+      </p:sp>
+    </p:spTree>
+    <p:extLst>
+      <p:ext uri="{BB962C8B-B14F-4D97-AF65-F5344CB8AC3E}">
+        <p14:creationId xmlns:p14="http://schemas.microsoft.com/office/powerpoint/2010/main" val="1430921076"/>
+      </p:ext>
+    </p:extLst>
+  </p:cSld>
+  <p:clrMapOvr>
+    <a:masterClrMapping/>
+  </p:clrMapOvr>
+  <p:timing>
+    <p:tnLst>
+      <p:par>
+        <p:cTn id="1" dur="indefinite" restart="never" nodeType="tmRoot"/>
+      </p:par>
+    </p:tnLst>
+  </p:timing>
+</p:sld>
+</file>
+
+<file path=ppt/slides/slide5.xml><?xml version="1.0" encoding="utf-8"?>
+<p:sld xmlns:a="http://schemas.openxmlformats.org/drawingml/2006/main" xmlns:r="http://schemas.openxmlformats.org/officeDocument/2006/relationships" xmlns:p="http://schemas.openxmlformats.org/presentationml/2006/main">
+  <p:cSld>
+    <p:spTree>
+      <p:nvGrpSpPr>
+        <p:cNvPr id="1" name=""/>
+        <p:cNvGrpSpPr/>
+        <p:nvPr/>
+      </p:nvGrpSpPr>
+      <p:grpSpPr>
+        <a:xfrm>
+          <a:off x="0" y="0"/>
+          <a:ext cx="0" cy="0"/>
+          <a:chOff x="0" y="0"/>
+          <a:chExt cx="0" cy="0"/>
+        </a:xfrm>
+      </p:grpSpPr>
+      <p:sp>
+        <p:nvSpPr>
+          <p:cNvPr id="2" name="Title 1"/>
+          <p:cNvSpPr>
+            <a:spLocks noGrp="1"/>
+          </p:cNvSpPr>
+          <p:nvPr>
+            <p:ph type="title"/>
+          </p:nvPr>
+        </p:nvSpPr>
+        <p:spPr/>
+        <p:txBody>
+          <a:bodyPr/>
+          <a:lstStyle/>
+          <a:p>
+            <a:r>
+              <a:rPr lang="en-US" dirty="0" err="1" smtClean="0"/>
+              <a:t>Functionalitatile</a:t>
+            </a:r>
+            <a:r>
+              <a:rPr lang="en-US" dirty="0" smtClean="0"/>
+              <a:t> </a:t>
+            </a:r>
+            <a:r>
+              <a:rPr lang="en-US" dirty="0" err="1" smtClean="0"/>
+              <a:t>aplicatiei</a:t>
+            </a:r>
+            <a:endParaRPr lang="en-US" dirty="0"/>
+          </a:p>
+        </p:txBody>
+      </p:sp>
+      <p:sp>
+        <p:nvSpPr>
+          <p:cNvPr id="3" name="Content Placeholder 2"/>
+          <p:cNvSpPr>
+            <a:spLocks noGrp="1"/>
+          </p:cNvSpPr>
+          <p:nvPr>
+            <p:ph idx="1"/>
+          </p:nvPr>
+        </p:nvSpPr>
+        <p:spPr>
+          <a:xfrm>
+            <a:off x="827700" y="1619795"/>
+            <a:ext cx="6711654" cy="4628612"/>
+          </a:xfrm>
+        </p:spPr>
+        <p:txBody>
+          <a:bodyPr>
+            <a:normAutofit/>
+          </a:bodyPr>
+          <a:lstStyle/>
+          <a:p>
+            <a:r>
+              <a:rPr lang="en-US" sz="2800" dirty="0" smtClean="0"/>
+              <a:t>Mail-</a:t>
+            </a:r>
+            <a:r>
+              <a:rPr lang="en-US" sz="2800" dirty="0" err="1" smtClean="0"/>
+              <a:t>uri</a:t>
+            </a:r>
+            <a:r>
+              <a:rPr lang="en-US" sz="2800" dirty="0" smtClean="0"/>
+              <a:t> </a:t>
+            </a:r>
+            <a:r>
+              <a:rPr lang="en-US" sz="2800" dirty="0" err="1" smtClean="0"/>
+              <a:t>reamintire</a:t>
+            </a:r>
+            <a:r>
+              <a:rPr lang="en-US" sz="2800" dirty="0" smtClean="0"/>
+              <a:t> </a:t>
+            </a:r>
+            <a:r>
+              <a:rPr lang="en-US" sz="2800" dirty="0" err="1" smtClean="0"/>
+              <a:t>scadente</a:t>
+            </a:r>
+            <a:endParaRPr lang="en-US" sz="2800" dirty="0"/>
+          </a:p>
+        </p:txBody>
+      </p:sp>
+      <p:pic>
+        <p:nvPicPr>
+          <p:cNvPr id="1026" name="Picture 2" descr="Mail10Scadente"/>
+          <p:cNvPicPr>
+            <a:picLocks noChangeAspect="1" noChangeArrowheads="1"/>
+          </p:cNvPicPr>
+          <p:nvPr/>
+        </p:nvPicPr>
+        <p:blipFill>
+          <a:blip r:embed="rId2">
+            <a:extLst>
+              <a:ext uri="{28A0092B-C50C-407E-A947-70E740481C1C}">
+                <a14:useLocalDpi xmlns:a14="http://schemas.microsoft.com/office/drawing/2010/main" val="0"/>
+              </a:ext>
+            </a:extLst>
+          </a:blip>
+          <a:srcRect/>
+          <a:stretch>
+            <a:fillRect/>
+          </a:stretch>
+        </p:blipFill>
+        <p:spPr bwMode="auto">
+          <a:xfrm>
+            <a:off x="1408741" y="2193782"/>
+            <a:ext cx="5671327" cy="4259428"/>
+          </a:xfrm>
+          <a:prstGeom prst="rect">
+            <a:avLst/>
+          </a:prstGeom>
+          <a:noFill/>
+          <a:ln>
+            <a:noFill/>
+          </a:ln>
+          <a:extLst>
+            <a:ext uri="{909E8E84-426E-40DD-AFC4-6F175D3DCCD1}">
+              <a14:hiddenFill xmlns:a14="http://schemas.microsoft.com/office/drawing/2010/main">
+                <a:solidFill>
+                  <a:srgbClr val="FFFFFF"/>
+                </a:solidFill>
+              </a14:hiddenFill>
+            </a:ext>
+            <a:ext uri="{91240B29-F687-4F45-9708-019B960494DF}">
+              <a14:hiddenLine xmlns:a14="http://schemas.microsoft.com/office/drawing/2010/main" w="9525">
+                <a:solidFill>
+                  <a:srgbClr val="000000"/>
+                </a:solidFill>
+                <a:miter lim="800000"/>
+                <a:headEnd/>
+                <a:tailEnd/>
+              </a14:hiddenLine>
+            </a:ext>
+          </a:extLst>
+        </p:spPr>
+      </p:pic>
+    </p:spTree>
+    <p:extLst>
+      <p:ext uri="{BB962C8B-B14F-4D97-AF65-F5344CB8AC3E}">
+        <p14:creationId xmlns:p14="http://schemas.microsoft.com/office/powerpoint/2010/main" val="3338909141"/>
+      </p:ext>
+    </p:extLst>
+  </p:cSld>
+  <p:clrMapOvr>
+    <a:masterClrMapping/>
+  </p:clrMapOvr>
+  <p:timing>
+    <p:tnLst>
+      <p:par>
+        <p:cTn id="1" dur="indefinite" restart="never" nodeType="tmRoot"/>
+      </p:par>
+    </p:tnLst>
+  </p:timing>
+</p:sld>
+</file>
+
+<file path=ppt/slides/slide6.xml><?xml version="1.0" encoding="utf-8"?>
+<p:sld xmlns:a="http://schemas.openxmlformats.org/drawingml/2006/main" xmlns:r="http://schemas.openxmlformats.org/officeDocument/2006/relationships" xmlns:p="http://schemas.openxmlformats.org/presentationml/2006/main">
+  <p:cSld>
+    <p:spTree>
+      <p:nvGrpSpPr>
+        <p:cNvPr id="1" name=""/>
+        <p:cNvGrpSpPr/>
+        <p:nvPr/>
+      </p:nvGrpSpPr>
+      <p:grpSpPr>
+        <a:xfrm>
+          <a:off x="0" y="0"/>
+          <a:ext cx="0" cy="0"/>
+          <a:chOff x="0" y="0"/>
+          <a:chExt cx="0" cy="0"/>
+        </a:xfrm>
+      </p:grpSpPr>
+      <p:sp>
+        <p:nvSpPr>
+          <p:cNvPr id="2" name="Title 1"/>
+          <p:cNvSpPr>
+            <a:spLocks noGrp="1"/>
+          </p:cNvSpPr>
+          <p:nvPr>
+            <p:ph type="title"/>
+          </p:nvPr>
+        </p:nvSpPr>
+        <p:spPr/>
+        <p:txBody>
+          <a:bodyPr/>
+          <a:lstStyle/>
+          <a:p>
+            <a:r>
+              <a:rPr lang="en-US" dirty="0" err="1" smtClean="0"/>
+              <a:t>Functionalitatile</a:t>
+            </a:r>
+            <a:r>
+              <a:rPr lang="en-US" dirty="0" smtClean="0"/>
+              <a:t> </a:t>
+            </a:r>
+            <a:r>
+              <a:rPr lang="en-US" dirty="0" err="1" smtClean="0"/>
+              <a:t>aplicatiei</a:t>
+            </a:r>
+            <a:endParaRPr lang="en-US" dirty="0"/>
+          </a:p>
+        </p:txBody>
+      </p:sp>
+      <p:sp>
+        <p:nvSpPr>
+          <p:cNvPr id="3" name="Content Placeholder 2"/>
+          <p:cNvSpPr>
+            <a:spLocks noGrp="1"/>
+          </p:cNvSpPr>
+          <p:nvPr>
+            <p:ph idx="1"/>
+          </p:nvPr>
+        </p:nvSpPr>
+        <p:spPr>
+          <a:xfrm>
+            <a:off x="827700" y="1619795"/>
+            <a:ext cx="6711654" cy="4628612"/>
+          </a:xfrm>
+        </p:spPr>
+        <p:txBody>
+          <a:bodyPr>
+            <a:normAutofit/>
+          </a:bodyPr>
+          <a:lstStyle/>
+          <a:p>
+            <a:r>
+              <a:rPr lang="en-US" sz="2800" dirty="0" err="1" smtClean="0"/>
+              <a:t>Pagina</a:t>
+            </a:r>
+            <a:r>
+              <a:rPr lang="en-US" sz="2800" dirty="0" smtClean="0"/>
+              <a:t> </a:t>
+            </a:r>
+            <a:r>
+              <a:rPr lang="en-US" sz="2800" dirty="0" err="1" smtClean="0"/>
+              <a:t>Acasa</a:t>
+            </a:r>
+            <a:r>
+              <a:rPr lang="en-US" sz="2800" dirty="0" smtClean="0"/>
+              <a:t> a </a:t>
+            </a:r>
+            <a:r>
+              <a:rPr lang="en-US" sz="2800" dirty="0" err="1" smtClean="0"/>
+              <a:t>utilizatorului</a:t>
+            </a:r>
+            <a:endParaRPr lang="en-US" sz="2800" dirty="0"/>
+          </a:p>
+        </p:txBody>
+      </p:sp>
+      <p:pic>
+        <p:nvPicPr>
+          <p:cNvPr id="2050" name="Picture 2" descr="userHome"/>
+          <p:cNvPicPr>
+            <a:picLocks noChangeAspect="1" noChangeArrowheads="1"/>
+          </p:cNvPicPr>
+          <p:nvPr/>
+        </p:nvPicPr>
+        <p:blipFill>
+          <a:blip r:embed="rId2">
+            <a:extLst>
+              <a:ext uri="{28A0092B-C50C-407E-A947-70E740481C1C}">
+                <a14:useLocalDpi xmlns:a14="http://schemas.microsoft.com/office/drawing/2010/main" val="0"/>
+              </a:ext>
+            </a:extLst>
+          </a:blip>
+          <a:srcRect/>
+          <a:stretch>
+            <a:fillRect/>
+          </a:stretch>
+        </p:blipFill>
+        <p:spPr bwMode="auto">
+          <a:xfrm>
+            <a:off x="945289" y="2329951"/>
+            <a:ext cx="7637584" cy="3757340"/>
+          </a:xfrm>
+          <a:prstGeom prst="rect">
+            <a:avLst/>
+          </a:prstGeom>
+          <a:noFill/>
+          <a:ln>
+            <a:noFill/>
+          </a:ln>
+          <a:extLst>
+            <a:ext uri="{909E8E84-426E-40DD-AFC4-6F175D3DCCD1}">
+              <a14:hiddenFill xmlns:a14="http://schemas.microsoft.com/office/drawing/2010/main">
+                <a:solidFill>
+                  <a:srgbClr val="FFFFFF"/>
+                </a:solidFill>
+              </a14:hiddenFill>
+            </a:ext>
+            <a:ext uri="{91240B29-F687-4F45-9708-019B960494DF}">
+              <a14:hiddenLine xmlns:a14="http://schemas.microsoft.com/office/drawing/2010/main" w="9525">
+                <a:solidFill>
+                  <a:srgbClr val="000000"/>
+                </a:solidFill>
+                <a:miter lim="800000"/>
+                <a:headEnd/>
+                <a:tailEnd/>
+              </a14:hiddenLine>
+            </a:ext>
+          </a:extLst>
+        </p:spPr>
+      </p:pic>
+    </p:spTree>
+    <p:extLst>
+      <p:ext uri="{BB962C8B-B14F-4D97-AF65-F5344CB8AC3E}">
+        <p14:creationId xmlns:p14="http://schemas.microsoft.com/office/powerpoint/2010/main" val="603547455"/>
+      </p:ext>
+    </p:extLst>
+  </p:cSld>
+  <p:clrMapOvr>
+    <a:masterClrMapping/>
+  </p:clrMapOvr>
+  <p:timing>
+    <p:tnLst>
+      <p:par>
+        <p:cTn id="1" dur="indefinite" restart="never" nodeType="tmRoot"/>
+      </p:par>
+    </p:tnLst>
+  </p:timing>
+</p:sld>
+</file>
+
+<file path=ppt/slides/slide7.xml><?xml version="1.0" encoding="utf-8"?>
+<p:sld xmlns:a="http://schemas.openxmlformats.org/drawingml/2006/main" xmlns:r="http://schemas.openxmlformats.org/officeDocument/2006/relationships" xmlns:p="http://schemas.openxmlformats.org/presentationml/2006/main">
+  <p:cSld>
+    <p:spTree>
+      <p:nvGrpSpPr>
+        <p:cNvPr id="1" name=""/>
+        <p:cNvGrpSpPr/>
+        <p:nvPr/>
+      </p:nvGrpSpPr>
+      <p:grpSpPr>
+        <a:xfrm>
+          <a:off x="0" y="0"/>
+          <a:ext cx="0" cy="0"/>
+          <a:chOff x="0" y="0"/>
+          <a:chExt cx="0" cy="0"/>
+        </a:xfrm>
+      </p:grpSpPr>
+      <p:sp>
+        <p:nvSpPr>
+          <p:cNvPr id="2" name="Title 1"/>
+          <p:cNvSpPr>
+            <a:spLocks noGrp="1"/>
+          </p:cNvSpPr>
+          <p:nvPr>
+            <p:ph type="title"/>
+          </p:nvPr>
+        </p:nvSpPr>
+        <p:spPr/>
+        <p:txBody>
+          <a:bodyPr/>
+          <a:lstStyle/>
+          <a:p>
+            <a:r>
+              <a:rPr lang="en-US" dirty="0" err="1" smtClean="0"/>
+              <a:t>Functionalitatile</a:t>
+            </a:r>
+            <a:r>
+              <a:rPr lang="en-US" dirty="0" smtClean="0"/>
+              <a:t> </a:t>
+            </a:r>
+            <a:r>
+              <a:rPr lang="en-US" dirty="0" err="1" smtClean="0"/>
+              <a:t>aplicatiei</a:t>
+            </a:r>
+            <a:endParaRPr lang="en-US" dirty="0"/>
+          </a:p>
+        </p:txBody>
+      </p:sp>
+      <p:sp>
+        <p:nvSpPr>
+          <p:cNvPr id="3" name="Content Placeholder 2"/>
+          <p:cNvSpPr>
+            <a:spLocks noGrp="1"/>
+          </p:cNvSpPr>
+          <p:nvPr>
+            <p:ph idx="1"/>
+          </p:nvPr>
+        </p:nvSpPr>
+        <p:spPr>
+          <a:xfrm>
+            <a:off x="827700" y="1619795"/>
+            <a:ext cx="6711654" cy="4628612"/>
+          </a:xfrm>
+        </p:spPr>
+        <p:txBody>
+          <a:bodyPr>
+            <a:normAutofit/>
+          </a:bodyPr>
+          <a:lstStyle/>
+          <a:p>
+            <a:r>
+              <a:rPr lang="en-US" sz="2800" dirty="0" err="1" smtClean="0"/>
+              <a:t>Pagina</a:t>
+            </a:r>
+            <a:r>
+              <a:rPr lang="en-US" sz="2800" dirty="0" smtClean="0"/>
+              <a:t> </a:t>
+            </a:r>
+            <a:r>
+              <a:rPr lang="en-US" sz="2800" dirty="0" err="1" smtClean="0"/>
+              <a:t>Detalii</a:t>
+            </a:r>
+            <a:r>
+              <a:rPr lang="en-US" sz="2800" dirty="0" smtClean="0"/>
+              <a:t> </a:t>
+            </a:r>
+            <a:r>
+              <a:rPr lang="en-US" sz="2800" dirty="0" err="1" smtClean="0"/>
+              <a:t>autovehicul</a:t>
+            </a:r>
+            <a:endParaRPr lang="en-US" sz="2800" dirty="0"/>
+          </a:p>
+        </p:txBody>
+      </p:sp>
+      <p:pic>
+        <p:nvPicPr>
+          <p:cNvPr id="5" name="Picture 4"/>
+          <p:cNvPicPr>
+            <a:picLocks noChangeAspect="1"/>
+          </p:cNvPicPr>
+          <p:nvPr/>
+        </p:nvPicPr>
+        <p:blipFill>
+          <a:blip r:embed="rId2"/>
+          <a:stretch>
+            <a:fillRect/>
+          </a:stretch>
+        </p:blipFill>
+        <p:spPr>
+          <a:xfrm>
+            <a:off x="1429634" y="2279501"/>
+            <a:ext cx="5507786" cy="4295334"/>
+          </a:xfrm>
+          <a:prstGeom prst="rect">
+            <a:avLst/>
+          </a:prstGeom>
+        </p:spPr>
+      </p:pic>
+    </p:spTree>
+    <p:extLst>
+      <p:ext uri="{BB962C8B-B14F-4D97-AF65-F5344CB8AC3E}">
+        <p14:creationId xmlns:p14="http://schemas.microsoft.com/office/powerpoint/2010/main" val="3366533756"/>
+      </p:ext>
+    </p:extLst>
+  </p:cSld>
+  <p:clrMapOvr>
+    <a:masterClrMapping/>
+  </p:clrMapOvr>
+  <p:timing>
+    <p:tnLst>
+      <p:par>
+        <p:cTn id="1" dur="indefinite" restart="never" nodeType="tmRoot"/>
+      </p:par>
+    </p:tnLst>
+  </p:timing>
+</p:sld>
+</file>
+
+<file path=ppt/slides/slide8.xml><?xml version="1.0" encoding="utf-8"?>
+<p:sld xmlns:a="http://schemas.openxmlformats.org/drawingml/2006/main" xmlns:r="http://schemas.openxmlformats.org/officeDocument/2006/relationships" xmlns:p="http://schemas.openxmlformats.org/presentationml/2006/main">
+  <p:cSld>
+    <p:spTree>
+      <p:nvGrpSpPr>
+        <p:cNvPr id="1" name=""/>
+        <p:cNvGrpSpPr/>
+        <p:nvPr/>
+      </p:nvGrpSpPr>
+      <p:grpSpPr>
+        <a:xfrm>
+          <a:off x="0" y="0"/>
+          <a:ext cx="0" cy="0"/>
+          <a:chOff x="0" y="0"/>
+          <a:chExt cx="0" cy="0"/>
+        </a:xfrm>
+      </p:grpSpPr>
+      <p:sp>
+        <p:nvSpPr>
+          <p:cNvPr id="2" name="Title 1"/>
+          <p:cNvSpPr>
+            <a:spLocks noGrp="1"/>
+          </p:cNvSpPr>
+          <p:nvPr>
+            <p:ph type="title"/>
+          </p:nvPr>
+        </p:nvSpPr>
+        <p:spPr/>
+        <p:txBody>
+          <a:bodyPr/>
+          <a:lstStyle/>
+          <a:p>
+            <a:r>
+              <a:rPr lang="en-US" dirty="0" err="1" smtClean="0"/>
+              <a:t>Functionalitatile</a:t>
+            </a:r>
+            <a:r>
+              <a:rPr lang="en-US" dirty="0" smtClean="0"/>
+              <a:t> </a:t>
+            </a:r>
+            <a:r>
+              <a:rPr lang="en-US" dirty="0" err="1" smtClean="0"/>
+              <a:t>aplicatiei</a:t>
+            </a:r>
+            <a:endParaRPr lang="en-US" dirty="0"/>
+          </a:p>
+        </p:txBody>
+      </p:sp>
+      <p:sp>
+        <p:nvSpPr>
+          <p:cNvPr id="3" name="Content Placeholder 2"/>
+          <p:cNvSpPr>
+            <a:spLocks noGrp="1"/>
+          </p:cNvSpPr>
+          <p:nvPr>
+            <p:ph idx="1"/>
+          </p:nvPr>
+        </p:nvSpPr>
+        <p:spPr>
+          <a:xfrm>
+            <a:off x="827700" y="1619795"/>
+            <a:ext cx="6711654" cy="4628612"/>
+          </a:xfrm>
+        </p:spPr>
+        <p:txBody>
+          <a:bodyPr>
+            <a:normAutofit/>
+          </a:bodyPr>
+          <a:lstStyle/>
+          <a:p>
+            <a:r>
+              <a:rPr lang="en-US" sz="2800" dirty="0" err="1" smtClean="0"/>
+              <a:t>Pagina</a:t>
+            </a:r>
+            <a:r>
+              <a:rPr lang="en-US" sz="2800" dirty="0" smtClean="0"/>
+              <a:t> </a:t>
+            </a:r>
+            <a:r>
+              <a:rPr lang="en-US" sz="2800" dirty="0" err="1" smtClean="0"/>
+              <a:t>Detalii</a:t>
+            </a:r>
+            <a:r>
+              <a:rPr lang="en-US" sz="2800" dirty="0" smtClean="0"/>
+              <a:t> </a:t>
+            </a:r>
+            <a:r>
+              <a:rPr lang="en-US" sz="2800" dirty="0" err="1" smtClean="0"/>
+              <a:t>autovehicul</a:t>
+            </a:r>
+            <a:endParaRPr lang="en-US" sz="2800" dirty="0"/>
+          </a:p>
+        </p:txBody>
+      </p:sp>
+      <p:pic>
+        <p:nvPicPr>
+          <p:cNvPr id="4" name="Picture 3"/>
+          <p:cNvPicPr>
+            <a:picLocks noChangeAspect="1"/>
+          </p:cNvPicPr>
+          <p:nvPr/>
+        </p:nvPicPr>
+        <p:blipFill>
+          <a:blip r:embed="rId2"/>
+          <a:stretch>
+            <a:fillRect/>
+          </a:stretch>
+        </p:blipFill>
+        <p:spPr>
+          <a:xfrm>
+            <a:off x="358820" y="2629363"/>
+            <a:ext cx="8497797" cy="3475353"/>
+          </a:xfrm>
+          <a:prstGeom prst="rect">
+            <a:avLst/>
+          </a:prstGeom>
+        </p:spPr>
+      </p:pic>
+    </p:spTree>
+    <p:extLst>
+      <p:ext uri="{BB962C8B-B14F-4D97-AF65-F5344CB8AC3E}">
+        <p14:creationId xmlns:p14="http://schemas.microsoft.com/office/powerpoint/2010/main" val="90009387"/>
+      </p:ext>
+    </p:extLst>
+  </p:cSld>
+  <p:clrMapOvr>
+    <a:masterClrMapping/>
+  </p:clrMapOvr>
+  <p:timing>
+    <p:tnLst>
+      <p:par>
+        <p:cTn id="1" dur="indefinite" restart="never" nodeType="tmRoot"/>
+      </p:par>
+    </p:tnLst>
+  </p:timing>
+</p:sld>
+</file>
+
+<file path=ppt/slides/slide9.xml><?xml version="1.0" encoding="utf-8"?>
+<p:sld xmlns:a="http://schemas.openxmlformats.org/drawingml/2006/main" xmlns:r="http://schemas.openxmlformats.org/officeDocument/2006/relationships" xmlns:p="http://schemas.openxmlformats.org/presentationml/2006/main">
+  <p:cSld>
+    <p:spTree>
+      <p:nvGrpSpPr>
+        <p:cNvPr id="1" name=""/>
+        <p:cNvGrpSpPr/>
+        <p:nvPr/>
+      </p:nvGrpSpPr>
+      <p:grpSpPr>
+        <a:xfrm>
+          <a:off x="0" y="0"/>
+          <a:ext cx="0" cy="0"/>
+          <a:chOff x="0" y="0"/>
+          <a:chExt cx="0" cy="0"/>
+        </a:xfrm>
+      </p:grpSpPr>
+      <p:sp>
+        <p:nvSpPr>
+          <p:cNvPr id="2" name="Title 1"/>
+          <p:cNvSpPr>
+            <a:spLocks noGrp="1"/>
+          </p:cNvSpPr>
+          <p:nvPr>
+            <p:ph type="title"/>
+          </p:nvPr>
+        </p:nvSpPr>
+        <p:spPr/>
+        <p:txBody>
+          <a:bodyPr/>
+          <a:lstStyle/>
+          <a:p>
+            <a:r>
+              <a:rPr lang="en-US" dirty="0" err="1" smtClean="0"/>
+              <a:t>Scurta</a:t>
+            </a:r>
+            <a:r>
+              <a:rPr lang="en-US" dirty="0" smtClean="0"/>
+              <a:t> </a:t>
+            </a:r>
+            <a:r>
+              <a:rPr lang="en-US" dirty="0" err="1" smtClean="0"/>
+              <a:t>descriere</a:t>
+            </a:r>
+            <a:endParaRPr lang="en-US" dirty="0"/>
+          </a:p>
+        </p:txBody>
+      </p:sp>
+      <p:sp>
+        <p:nvSpPr>
+          <p:cNvPr id="3" name="Content Placeholder 2"/>
+          <p:cNvSpPr>
+            <a:spLocks noGrp="1"/>
+          </p:cNvSpPr>
+          <p:nvPr>
+            <p:ph idx="1"/>
+          </p:nvPr>
+        </p:nvSpPr>
+        <p:spPr>
+          <a:xfrm>
+            <a:off x="484710" y="1420721"/>
+            <a:ext cx="7054644" cy="4827685"/>
+          </a:xfrm>
+        </p:spPr>
+        <p:txBody>
+          <a:bodyPr>
+            <a:normAutofit/>
+          </a:bodyPr>
+          <a:lstStyle/>
+          <a:p>
+            <a:r>
+              <a:rPr lang="en-US" sz="2800" dirty="0" err="1"/>
+              <a:t>Aplicatie</a:t>
+            </a:r>
+            <a:r>
+              <a:rPr lang="en-US" sz="2800" dirty="0"/>
+              <a:t> WEB</a:t>
+            </a:r>
+          </a:p>
+          <a:p>
+            <a:r>
+              <a:rPr lang="en-US" sz="2800" dirty="0" err="1" smtClean="0"/>
+              <a:t>Autentificare</a:t>
+            </a:r>
+            <a:endParaRPr lang="en-US" sz="2800" dirty="0" smtClean="0"/>
+          </a:p>
+          <a:p>
+            <a:r>
+              <a:rPr lang="en-US" sz="2800" dirty="0" err="1"/>
+              <a:t>Notificari</a:t>
+            </a:r>
+            <a:r>
+              <a:rPr lang="en-US" sz="2800" dirty="0"/>
+              <a:t> </a:t>
+            </a:r>
+            <a:r>
+              <a:rPr lang="en-US" sz="2800" dirty="0" err="1"/>
+              <a:t>prin</a:t>
+            </a:r>
+            <a:r>
+              <a:rPr lang="en-US" sz="2800" dirty="0"/>
+              <a:t> </a:t>
+            </a:r>
+            <a:r>
+              <a:rPr lang="en-US" sz="2800" dirty="0" smtClean="0"/>
+              <a:t>email</a:t>
+            </a:r>
+            <a:endParaRPr lang="en-US" sz="2800" dirty="0"/>
+          </a:p>
+          <a:p>
+            <a:r>
+              <a:rPr lang="en-US" sz="2800" dirty="0" err="1"/>
+              <a:t>Aplicatia</a:t>
+            </a:r>
+            <a:r>
+              <a:rPr lang="en-US" sz="2800" dirty="0"/>
+              <a:t> are la </a:t>
+            </a:r>
+            <a:r>
+              <a:rPr lang="en-US" sz="2800" dirty="0" err="1"/>
+              <a:t>baza</a:t>
+            </a:r>
+            <a:r>
+              <a:rPr lang="en-US" sz="2800" dirty="0"/>
+              <a:t> 3 </a:t>
+            </a:r>
+            <a:r>
+              <a:rPr lang="en-US" sz="2800" dirty="0" err="1"/>
+              <a:t>entitati</a:t>
+            </a:r>
+            <a:r>
+              <a:rPr lang="en-US" sz="2800" dirty="0"/>
+              <a:t>:</a:t>
+            </a:r>
+          </a:p>
+          <a:p>
+            <a:pPr lvl="2"/>
+            <a:r>
+              <a:rPr lang="en-US" sz="2200" dirty="0" err="1"/>
+              <a:t>Utilizator</a:t>
+            </a:r>
+            <a:endParaRPr lang="en-US" sz="2200" dirty="0"/>
+          </a:p>
+          <a:p>
+            <a:pPr lvl="2"/>
+            <a:r>
+              <a:rPr lang="en-US" sz="2200" dirty="0" err="1"/>
+              <a:t>Masina</a:t>
+            </a:r>
+            <a:endParaRPr lang="en-US" sz="2200" dirty="0"/>
+          </a:p>
+          <a:p>
+            <a:pPr lvl="2"/>
+            <a:r>
+              <a:rPr lang="en-US" sz="2200" dirty="0" err="1" smtClean="0"/>
+              <a:t>Scadent</a:t>
+            </a:r>
+            <a:endParaRPr lang="en-US" sz="2200" dirty="0"/>
+          </a:p>
+          <a:p>
+            <a:endParaRPr lang="en-US" sz="2600" dirty="0" smtClean="0"/>
+          </a:p>
+          <a:p>
+            <a:endParaRPr lang="en-US" sz="2600" dirty="0"/>
+          </a:p>
+          <a:p>
+            <a:pPr marL="0" indent="0">
+              <a:buNone/>
+            </a:pPr>
+            <a:endParaRPr lang="en-US" sz="2600" dirty="0"/>
+          </a:p>
+        </p:txBody>
+      </p:sp>
+      <p:pic>
+        <p:nvPicPr>
+          <p:cNvPr id="1026" name="Picture 2" descr="Untitled Diagram (1)"/>
+          <p:cNvPicPr>
+            <a:picLocks noChangeAspect="1" noChangeArrowheads="1"/>
+          </p:cNvPicPr>
+          <p:nvPr/>
+        </p:nvPicPr>
+        <p:blipFill>
+          <a:blip r:embed="rId2">
+            <a:extLst>
+              <a:ext uri="{28A0092B-C50C-407E-A947-70E740481C1C}">
+                <a14:useLocalDpi xmlns:a14="http://schemas.microsoft.com/office/drawing/2010/main" val="0"/>
+              </a:ext>
+            </a:extLst>
+          </a:blip>
+          <a:srcRect/>
+          <a:stretch>
+            <a:fillRect/>
+          </a:stretch>
+        </p:blipFill>
+        <p:spPr bwMode="auto">
+          <a:xfrm>
+            <a:off x="3252126" y="3834563"/>
+            <a:ext cx="4739681" cy="2248450"/>
+          </a:xfrm>
+          <a:prstGeom prst="rect">
+            <a:avLst/>
+          </a:prstGeom>
+          <a:noFill/>
+          <a:ln>
+            <a:noFill/>
+          </a:ln>
+          <a:extLst>
+            <a:ext uri="{909E8E84-426E-40DD-AFC4-6F175D3DCCD1}">
+              <a14:hiddenFill xmlns:a14="http://schemas.microsoft.com/office/drawing/2010/main">
+                <a:solidFill>
+                  <a:srgbClr val="FFFFFF"/>
+                </a:solidFill>
+              </a14:hiddenFill>
+            </a:ext>
+            <a:ext uri="{91240B29-F687-4F45-9708-019B960494DF}">
+              <a14:hiddenLine xmlns:a14="http://schemas.microsoft.com/office/drawing/2010/main" w="9525">
+                <a:solidFill>
+                  <a:srgbClr val="000000"/>
+                </a:solidFill>
+                <a:miter lim="800000"/>
+                <a:headEnd/>
+                <a:tailEnd/>
+              </a14:hiddenLine>
+            </a:ext>
+          </a:extLst>
+        </p:spPr>
+      </p:pic>
+    </p:spTree>
+    <p:extLst>
+      <p:ext uri="{BB962C8B-B14F-4D97-AF65-F5344CB8AC3E}">
+        <p14:creationId xmlns:p14="http://schemas.microsoft.com/office/powerpoint/2010/main" val="3859307828"/>
       </p:ext>
     </p:extLst>
   </p:cSld>
